--- a/aim2/recursivepartheteroate.pptx
+++ b/aim2/recursivepartheteroate.pptx
@@ -104,6 +104,11 @@
       </a:defRPr>
     </a:lvl9pPr>
   </p:defaultTextStyle>
+  <p:extLst>
+    <p:ext uri="{EFAFB233-063F-42B5-8137-9DF3F51BA10A}">
+      <p15:sldGuideLst xmlns:p15="http://schemas.microsoft.com/office/powerpoint/2012/main"/>
+    </p:ext>
+  </p:extLst>
 </p:presentation>
 </file>
 
@@ -1049,23 +1054,7 @@
                 <a:schemeClr val="tx1"/>
               </a:solidFill>
             </a:rPr>
-            <a:t>(</a:t>
-          </a:r>
-          <a:r>
-            <a:rPr lang="en-US" sz="2000" dirty="0" err="1">
-              <a:solidFill>
-                <a:schemeClr val="tx1"/>
-              </a:solidFill>
-            </a:rPr>
-            <a:t>iMV</a:t>
-          </a:r>
-          <a:r>
-            <a:rPr lang="en-US" sz="2000" dirty="0">
-              <a:solidFill>
-                <a:schemeClr val="tx1"/>
-              </a:solidFill>
-            </a:rPr>
-            <a:t>* = 1)</a:t>
+            <a:t>On Mechanical Ventilator</a:t>
           </a:r>
         </a:p>
         <a:p>
@@ -1136,31 +1125,7 @@
                 <a:schemeClr val="tx1"/>
               </a:solidFill>
             </a:rPr>
-            <a:t>(</a:t>
-          </a:r>
-          <a:r>
-            <a:rPr lang="en-US" sz="2000" dirty="0" err="1">
-              <a:solidFill>
-                <a:schemeClr val="tx1"/>
-              </a:solidFill>
-            </a:rPr>
-            <a:t>iMV</a:t>
-          </a:r>
-          <a:r>
-            <a:rPr lang="en-US" sz="2000">
-              <a:solidFill>
-                <a:schemeClr val="tx1"/>
-              </a:solidFill>
-            </a:rPr>
-            <a:t>* </a:t>
-          </a:r>
-          <a:r>
-            <a:rPr lang="en-US" sz="2000" dirty="0">
-              <a:solidFill>
-                <a:schemeClr val="tx1"/>
-              </a:solidFill>
-            </a:rPr>
-            <a:t>= 0)</a:t>
+            <a:t>Not on Mechanical Ventilator</a:t>
           </a:r>
         </a:p>
         <a:p>
@@ -1385,338 +1350,6 @@
         </a:p>
       </dgm:t>
     </dgm:pt>
-    <dgm:pt modelId="{BB1B0E4D-B0C8-8046-835A-CBDD7147387F}">
-      <dgm:prSet phldrT="[Text]" custT="1"/>
-      <dgm:spPr>
-        <a:solidFill>
-          <a:schemeClr val="accent2">
-            <a:lumMod val="60000"/>
-            <a:lumOff val="40000"/>
-          </a:schemeClr>
-        </a:solidFill>
-      </dgm:spPr>
-      <dgm:t>
-        <a:bodyPr/>
-        <a:lstStyle/>
-        <a:p>
-          <a:r>
-            <a:rPr lang="en-US" sz="2000" dirty="0">
-              <a:solidFill>
-                <a:schemeClr val="tx1"/>
-              </a:solidFill>
-            </a:rPr>
-            <a:t>(Age &lt; 45) </a:t>
-          </a:r>
-        </a:p>
-        <a:p>
-          <a:r>
-            <a:rPr lang="en-US" sz="2000" dirty="0">
-              <a:solidFill>
-                <a:schemeClr val="tx1"/>
-              </a:solidFill>
-            </a:rPr>
-            <a:t>Avg. Causal Effect = 0.281</a:t>
-          </a:r>
-        </a:p>
-      </dgm:t>
-    </dgm:pt>
-    <dgm:pt modelId="{DC6036D9-F07A-C841-BAD0-72B0864FE846}" type="parTrans" cxnId="{91A072CF-FDA2-A940-A41A-2DA76F252E69}">
-      <dgm:prSet custT="1"/>
-      <dgm:spPr>
-        <a:ln>
-          <a:solidFill>
-            <a:schemeClr val="tx1"/>
-          </a:solidFill>
-        </a:ln>
-      </dgm:spPr>
-      <dgm:t>
-        <a:bodyPr/>
-        <a:lstStyle/>
-        <a:p>
-          <a:endParaRPr lang="en-US" sz="700">
-            <a:solidFill>
-              <a:schemeClr val="tx1"/>
-            </a:solidFill>
-          </a:endParaRPr>
-        </a:p>
-      </dgm:t>
-    </dgm:pt>
-    <dgm:pt modelId="{287EE9B3-9513-BE4A-8EB6-CCC97427C213}" type="sibTrans" cxnId="{91A072CF-FDA2-A940-A41A-2DA76F252E69}">
-      <dgm:prSet/>
-      <dgm:spPr/>
-      <dgm:t>
-        <a:bodyPr/>
-        <a:lstStyle/>
-        <a:p>
-          <a:endParaRPr lang="en-US" sz="2400">
-            <a:solidFill>
-              <a:schemeClr val="tx1"/>
-            </a:solidFill>
-          </a:endParaRPr>
-        </a:p>
-      </dgm:t>
-    </dgm:pt>
-    <dgm:pt modelId="{2BEB2B67-D349-9E4A-B8B4-B4DA6C42D859}">
-      <dgm:prSet phldrT="[Text]" custT="1"/>
-      <dgm:spPr>
-        <a:solidFill>
-          <a:schemeClr val="accent2">
-            <a:lumMod val="20000"/>
-            <a:lumOff val="80000"/>
-          </a:schemeClr>
-        </a:solidFill>
-      </dgm:spPr>
-      <dgm:t>
-        <a:bodyPr/>
-        <a:lstStyle/>
-        <a:p>
-          <a:r>
-            <a:rPr lang="en-US" sz="2000" dirty="0">
-              <a:solidFill>
-                <a:schemeClr val="tx1"/>
-              </a:solidFill>
-            </a:rPr>
-            <a:t>(Age </a:t>
-          </a:r>
-          <a:r>
-            <a:rPr lang="en-US" sz="2000" b="0" i="0" u="none" dirty="0">
-              <a:solidFill>
-                <a:schemeClr val="tx1"/>
-              </a:solidFill>
-            </a:rPr>
-            <a:t>≥</a:t>
-          </a:r>
-          <a:r>
-            <a:rPr lang="en-US" sz="2000" dirty="0">
-              <a:solidFill>
-                <a:schemeClr val="tx1"/>
-              </a:solidFill>
-            </a:rPr>
-            <a:t> 45) </a:t>
-          </a:r>
-        </a:p>
-        <a:p>
-          <a:r>
-            <a:rPr lang="en-US" sz="2000" dirty="0">
-              <a:solidFill>
-                <a:schemeClr val="tx1"/>
-              </a:solidFill>
-            </a:rPr>
-            <a:t>Avg. Causal Effect = 0.215</a:t>
-          </a:r>
-        </a:p>
-      </dgm:t>
-    </dgm:pt>
-    <dgm:pt modelId="{B2051F75-A465-E84A-B8C4-13AD4AABD8F4}" type="parTrans" cxnId="{DCA110D9-D114-5D40-9573-96727EB936FF}">
-      <dgm:prSet custT="1"/>
-      <dgm:spPr>
-        <a:ln>
-          <a:solidFill>
-            <a:schemeClr val="tx1"/>
-          </a:solidFill>
-        </a:ln>
-      </dgm:spPr>
-      <dgm:t>
-        <a:bodyPr/>
-        <a:lstStyle/>
-        <a:p>
-          <a:endParaRPr lang="en-US" sz="700">
-            <a:solidFill>
-              <a:schemeClr val="tx1"/>
-            </a:solidFill>
-          </a:endParaRPr>
-        </a:p>
-      </dgm:t>
-    </dgm:pt>
-    <dgm:pt modelId="{AEF8E63B-1BB3-D94D-998C-5099AAD5B974}" type="sibTrans" cxnId="{DCA110D9-D114-5D40-9573-96727EB936FF}">
-      <dgm:prSet/>
-      <dgm:spPr/>
-      <dgm:t>
-        <a:bodyPr/>
-        <a:lstStyle/>
-        <a:p>
-          <a:endParaRPr lang="en-US" sz="2400">
-            <a:solidFill>
-              <a:schemeClr val="tx1"/>
-            </a:solidFill>
-          </a:endParaRPr>
-        </a:p>
-      </dgm:t>
-    </dgm:pt>
-    <dgm:pt modelId="{9DB0519A-1BE5-534D-8D1C-8A619ED1E354}">
-      <dgm:prSet phldrT="[Text]" custT="1"/>
-      <dgm:spPr>
-        <a:solidFill>
-          <a:schemeClr val="accent2">
-            <a:lumMod val="40000"/>
-            <a:lumOff val="60000"/>
-          </a:schemeClr>
-        </a:solidFill>
-      </dgm:spPr>
-      <dgm:t>
-        <a:bodyPr/>
-        <a:lstStyle/>
-        <a:p>
-          <a:r>
-            <a:rPr lang="en-US" sz="2000" dirty="0">
-              <a:solidFill>
-                <a:schemeClr val="tx1"/>
-              </a:solidFill>
-            </a:rPr>
-            <a:t>(Worst GCS in 1</a:t>
-          </a:r>
-          <a:r>
-            <a:rPr lang="en-US" sz="2000" baseline="30000" dirty="0">
-              <a:solidFill>
-                <a:schemeClr val="tx1"/>
-              </a:solidFill>
-            </a:rPr>
-            <a:t>st</a:t>
-          </a:r>
-          <a:r>
-            <a:rPr lang="en-US" sz="2000" dirty="0">
-              <a:solidFill>
-                <a:schemeClr val="tx1"/>
-              </a:solidFill>
-            </a:rPr>
-            <a:t> 24hrs &lt; 14)</a:t>
-          </a:r>
-        </a:p>
-        <a:p>
-          <a:r>
-            <a:rPr lang="en-US" sz="2000" dirty="0">
-              <a:solidFill>
-                <a:schemeClr val="tx1"/>
-              </a:solidFill>
-            </a:rPr>
-            <a:t>Avg. Causal Effect = 0.239</a:t>
-          </a:r>
-        </a:p>
-      </dgm:t>
-    </dgm:pt>
-    <dgm:pt modelId="{ACB99F48-0BD5-8D4A-AA01-F6D82D6245D0}" type="parTrans" cxnId="{DC1716D3-B5B3-A442-9489-7DC9B9BF5A62}">
-      <dgm:prSet custT="1"/>
-      <dgm:spPr>
-        <a:ln>
-          <a:solidFill>
-            <a:schemeClr val="tx1"/>
-          </a:solidFill>
-        </a:ln>
-      </dgm:spPr>
-      <dgm:t>
-        <a:bodyPr/>
-        <a:lstStyle/>
-        <a:p>
-          <a:endParaRPr lang="en-US" sz="700">
-            <a:solidFill>
-              <a:schemeClr val="tx1"/>
-            </a:solidFill>
-          </a:endParaRPr>
-        </a:p>
-      </dgm:t>
-    </dgm:pt>
-    <dgm:pt modelId="{04C214AA-71A7-B74E-89B1-A2746AFDCBC3}" type="sibTrans" cxnId="{DC1716D3-B5B3-A442-9489-7DC9B9BF5A62}">
-      <dgm:prSet/>
-      <dgm:spPr/>
-      <dgm:t>
-        <a:bodyPr/>
-        <a:lstStyle/>
-        <a:p>
-          <a:endParaRPr lang="en-US" sz="2400">
-            <a:solidFill>
-              <a:schemeClr val="tx1"/>
-            </a:solidFill>
-          </a:endParaRPr>
-        </a:p>
-      </dgm:t>
-    </dgm:pt>
-    <dgm:pt modelId="{4FF9C550-9F8C-2E48-B161-15B6FFBF4F03}">
-      <dgm:prSet phldrT="[Text]" custT="1"/>
-      <dgm:spPr>
-        <a:solidFill>
-          <a:schemeClr val="accent2">
-            <a:lumMod val="20000"/>
-            <a:lumOff val="80000"/>
-          </a:schemeClr>
-        </a:solidFill>
-      </dgm:spPr>
-      <dgm:t>
-        <a:bodyPr/>
-        <a:lstStyle/>
-        <a:p>
-          <a:r>
-            <a:rPr lang="en-US" sz="2000" dirty="0">
-              <a:solidFill>
-                <a:schemeClr val="tx1"/>
-              </a:solidFill>
-            </a:rPr>
-            <a:t>(Worst GCS in 1st 24hrs </a:t>
-          </a:r>
-          <a:r>
-            <a:rPr lang="en-US" sz="2000" b="0" i="0" u="none" dirty="0">
-              <a:solidFill>
-                <a:schemeClr val="tx1"/>
-              </a:solidFill>
-            </a:rPr>
-            <a:t>≥</a:t>
-          </a:r>
-          <a:r>
-            <a:rPr lang="en-US" sz="2000" dirty="0">
-              <a:solidFill>
-                <a:schemeClr val="tx1"/>
-              </a:solidFill>
-            </a:rPr>
-            <a:t> 14)</a:t>
-          </a:r>
-        </a:p>
-        <a:p>
-          <a:r>
-            <a:rPr lang="en-US" sz="2000" dirty="0">
-              <a:solidFill>
-                <a:schemeClr val="tx1"/>
-              </a:solidFill>
-            </a:rPr>
-            <a:t>Avg. Causal Effect = 0.194</a:t>
-          </a:r>
-        </a:p>
-      </dgm:t>
-    </dgm:pt>
-    <dgm:pt modelId="{EC9DA0A6-66DE-1548-8A8B-D4F7251E02AE}" type="parTrans" cxnId="{4582A7DD-0548-1541-B462-345E866FE16D}">
-      <dgm:prSet custT="1"/>
-      <dgm:spPr>
-        <a:ln>
-          <a:solidFill>
-            <a:schemeClr val="tx1"/>
-          </a:solidFill>
-        </a:ln>
-      </dgm:spPr>
-      <dgm:t>
-        <a:bodyPr/>
-        <a:lstStyle/>
-        <a:p>
-          <a:endParaRPr lang="en-US" sz="700">
-            <a:solidFill>
-              <a:schemeClr val="tx1"/>
-            </a:solidFill>
-          </a:endParaRPr>
-        </a:p>
-      </dgm:t>
-    </dgm:pt>
-    <dgm:pt modelId="{7E4CE893-4087-0945-B641-8643A9268DA6}" type="sibTrans" cxnId="{4582A7DD-0548-1541-B462-345E866FE16D}">
-      <dgm:prSet/>
-      <dgm:spPr/>
-      <dgm:t>
-        <a:bodyPr/>
-        <a:lstStyle/>
-        <a:p>
-          <a:endParaRPr lang="en-US" sz="2400">
-            <a:solidFill>
-              <a:schemeClr val="tx1"/>
-            </a:solidFill>
-          </a:endParaRPr>
-        </a:p>
-      </dgm:t>
-    </dgm:pt>
     <dgm:pt modelId="{E2B36B97-36DD-8F4E-9EC5-06D21EFDA172}" type="pres">
       <dgm:prSet presAssocID="{FD4D8166-9298-B44D-9BFC-B86F2B52D581}" presName="diagram" presStyleCnt="0">
         <dgm:presLayoutVars>
@@ -1734,7 +1367,7 @@
       <dgm:spPr/>
     </dgm:pt>
     <dgm:pt modelId="{AC1ECF08-4BE0-E143-A88D-6439A7220749}" type="pres">
-      <dgm:prSet presAssocID="{9215B1C4-A80B-6240-86D8-95C4AE91C74D}" presName="LevelOneTextNode" presStyleLbl="node0" presStyleIdx="0" presStyleCnt="1" custScaleY="111764" custLinFactNeighborX="3850" custLinFactNeighborY="1140">
+      <dgm:prSet presAssocID="{9215B1C4-A80B-6240-86D8-95C4AE91C74D}" presName="LevelOneTextNode" presStyleLbl="node0" presStyleIdx="0" presStyleCnt="1" custScaleY="111764" custLinFactNeighborX="6143" custLinFactNeighborY="-27105">
         <dgm:presLayoutVars>
           <dgm:chPref val="3"/>
         </dgm:presLayoutVars>
@@ -1782,7 +1415,7 @@
       <dgm:spPr/>
     </dgm:pt>
     <dgm:pt modelId="{17E49AE5-5FD7-0E46-9A6D-990C336176FD}" type="pres">
-      <dgm:prSet presAssocID="{1EF36880-D127-9841-BF8B-FAE1F6D53B8D}" presName="LevelTwoTextNode" presStyleLbl="node3" presStyleIdx="0" presStyleCnt="2" custScaleY="111764" custLinFactNeighborX="-5130" custLinFactNeighborY="-53565">
+      <dgm:prSet presAssocID="{1EF36880-D127-9841-BF8B-FAE1F6D53B8D}" presName="LevelTwoTextNode" presStyleLbl="node3" presStyleIdx="0" presStyleCnt="2" custScaleY="111764" custLinFactNeighborX="-5130" custLinFactNeighborY="-3358">
         <dgm:presLayoutVars>
           <dgm:chPref val="3"/>
         </dgm:presLayoutVars>
@@ -1806,7 +1439,7 @@
       <dgm:spPr/>
     </dgm:pt>
     <dgm:pt modelId="{4488604B-CBE9-504B-815D-EE4821A7F201}" type="pres">
-      <dgm:prSet presAssocID="{44689438-D694-CC4C-8CC3-5CB0BEE3AE57}" presName="LevelTwoTextNode" presStyleLbl="node3" presStyleIdx="1" presStyleCnt="2" custScaleY="111764" custLinFactNeighborX="-5130" custLinFactNeighborY="7743">
+      <dgm:prSet presAssocID="{44689438-D694-CC4C-8CC3-5CB0BEE3AE57}" presName="LevelTwoTextNode" presStyleLbl="node3" presStyleIdx="1" presStyleCnt="2" custScaleY="111764" custLinFactNeighborX="-5130" custLinFactNeighborY="14293">
         <dgm:presLayoutVars>
           <dgm:chPref val="3"/>
         </dgm:presLayoutVars>
@@ -1817,123 +1450,27 @@
       <dgm:prSet presAssocID="{44689438-D694-CC4C-8CC3-5CB0BEE3AE57}" presName="level3hierChild" presStyleCnt="0"/>
       <dgm:spPr/>
     </dgm:pt>
-    <dgm:pt modelId="{1EAA115E-1473-6C43-AE20-D08EF151C4E1}" type="pres">
-      <dgm:prSet presAssocID="{DC6036D9-F07A-C841-BAD0-72B0864FE846}" presName="conn2-1" presStyleLbl="parChTrans1D4" presStyleIdx="0" presStyleCnt="4"/>
+    <dgm:pt modelId="{6140B3FE-7907-2E49-A718-E790BE84940C}" type="pres">
+      <dgm:prSet presAssocID="{7837F4CD-4F93-9542-9E3B-15BC4204109D}" presName="conn2-1" presStyleLbl="parChTrans1D2" presStyleIdx="1" presStyleCnt="3"/>
       <dgm:spPr/>
     </dgm:pt>
-    <dgm:pt modelId="{D24269DE-2F72-6242-8CAB-7F866D3A77F7}" type="pres">
-      <dgm:prSet presAssocID="{DC6036D9-F07A-C841-BAD0-72B0864FE846}" presName="connTx" presStyleLbl="parChTrans1D4" presStyleIdx="0" presStyleCnt="4"/>
+    <dgm:pt modelId="{D3724870-C8B6-4A44-92A6-1066BEFAA1A0}" type="pres">
+      <dgm:prSet presAssocID="{7837F4CD-4F93-9542-9E3B-15BC4204109D}" presName="connTx" presStyleLbl="parChTrans1D2" presStyleIdx="1" presStyleCnt="3"/>
       <dgm:spPr/>
     </dgm:pt>
-    <dgm:pt modelId="{FDBEEA4B-BBA7-674C-92C6-5454F122A923}" type="pres">
-      <dgm:prSet presAssocID="{BB1B0E4D-B0C8-8046-835A-CBDD7147387F}" presName="root2" presStyleCnt="0"/>
+    <dgm:pt modelId="{6D172596-3BDF-4748-94B4-2C656C6A1763}" type="pres">
+      <dgm:prSet presAssocID="{C9A41A88-86D1-4E48-BDF9-0E40BF263253}" presName="root2" presStyleCnt="0"/>
       <dgm:spPr/>
     </dgm:pt>
-    <dgm:pt modelId="{103CF40D-5902-7F4B-8DEA-27007712B6CB}" type="pres">
-      <dgm:prSet presAssocID="{BB1B0E4D-B0C8-8046-835A-CBDD7147387F}" presName="LevelTwoTextNode" presStyleLbl="node4" presStyleIdx="0" presStyleCnt="4" custScaleY="111764" custLinFactNeighborX="-9690" custLinFactNeighborY="-50143">
+    <dgm:pt modelId="{ED44F827-0FE2-1244-A50B-EE2BC79AC5AD}" type="pres">
+      <dgm:prSet presAssocID="{C9A41A88-86D1-4E48-BDF9-0E40BF263253}" presName="LevelTwoTextNode" presStyleLbl="node2" presStyleIdx="1" presStyleCnt="3" custLinFactNeighborX="0" custLinFactNeighborY="-26866">
         <dgm:presLayoutVars>
           <dgm:chPref val="3"/>
         </dgm:presLayoutVars>
       </dgm:prSet>
       <dgm:spPr/>
     </dgm:pt>
-    <dgm:pt modelId="{3C2C3825-78FA-6E42-A69C-C3426FD4FCF4}" type="pres">
-      <dgm:prSet presAssocID="{BB1B0E4D-B0C8-8046-835A-CBDD7147387F}" presName="level3hierChild" presStyleCnt="0"/>
-      <dgm:spPr/>
-    </dgm:pt>
-    <dgm:pt modelId="{B0914C68-411D-794D-8747-AE3B89DE012B}" type="pres">
-      <dgm:prSet presAssocID="{B2051F75-A465-E84A-B8C4-13AD4AABD8F4}" presName="conn2-1" presStyleLbl="parChTrans1D4" presStyleIdx="1" presStyleCnt="4"/>
-      <dgm:spPr/>
-    </dgm:pt>
-    <dgm:pt modelId="{F15A3EB8-EEBB-814B-91BB-DE4E3F16F5E3}" type="pres">
-      <dgm:prSet presAssocID="{B2051F75-A465-E84A-B8C4-13AD4AABD8F4}" presName="connTx" presStyleLbl="parChTrans1D4" presStyleIdx="1" presStyleCnt="4"/>
-      <dgm:spPr/>
-    </dgm:pt>
-    <dgm:pt modelId="{CA4903AD-78DA-4F4C-950D-752DDF5247E9}" type="pres">
-      <dgm:prSet presAssocID="{2BEB2B67-D349-9E4A-B8B4-B4DA6C42D859}" presName="root2" presStyleCnt="0"/>
-      <dgm:spPr/>
-    </dgm:pt>
-    <dgm:pt modelId="{1D4AE904-8C3C-A64E-9495-D2D462A05CBA}" type="pres">
-      <dgm:prSet presAssocID="{2BEB2B67-D349-9E4A-B8B4-B4DA6C42D859}" presName="LevelTwoTextNode" presStyleLbl="node4" presStyleIdx="1" presStyleCnt="4" custScaleY="111764" custLinFactNeighborX="-9690" custLinFactNeighborY="45649">
-        <dgm:presLayoutVars>
-          <dgm:chPref val="3"/>
-        </dgm:presLayoutVars>
-      </dgm:prSet>
-      <dgm:spPr/>
-    </dgm:pt>
-    <dgm:pt modelId="{7745394D-5322-2F42-893C-C1BDC423091D}" type="pres">
-      <dgm:prSet presAssocID="{2BEB2B67-D349-9E4A-B8B4-B4DA6C42D859}" presName="level3hierChild" presStyleCnt="0"/>
-      <dgm:spPr/>
-    </dgm:pt>
-    <dgm:pt modelId="{9FFC51CF-7C31-2A4F-A77A-8169AD20D5C0}" type="pres">
-      <dgm:prSet presAssocID="{ACB99F48-0BD5-8D4A-AA01-F6D82D6245D0}" presName="conn2-1" presStyleLbl="parChTrans1D4" presStyleIdx="2" presStyleCnt="4"/>
-      <dgm:spPr/>
-    </dgm:pt>
-    <dgm:pt modelId="{D49DB0BE-7A07-2A40-A59F-BA62E20C7F6B}" type="pres">
-      <dgm:prSet presAssocID="{ACB99F48-0BD5-8D4A-AA01-F6D82D6245D0}" presName="connTx" presStyleLbl="parChTrans1D4" presStyleIdx="2" presStyleCnt="4"/>
-      <dgm:spPr/>
-    </dgm:pt>
-    <dgm:pt modelId="{0FD3B6BD-E526-DD4E-811D-EC8E92960A33}" type="pres">
-      <dgm:prSet presAssocID="{9DB0519A-1BE5-534D-8D1C-8A619ED1E354}" presName="root2" presStyleCnt="0"/>
-      <dgm:spPr/>
-    </dgm:pt>
-    <dgm:pt modelId="{2840A26D-3B24-5948-A6DA-604F7AD03B22}" type="pres">
-      <dgm:prSet presAssocID="{9DB0519A-1BE5-534D-8D1C-8A619ED1E354}" presName="LevelTwoTextNode" presStyleLbl="node4" presStyleIdx="2" presStyleCnt="4" custScaleY="147947" custLinFactNeighborX="-9120" custLinFactNeighborY="-76362">
-        <dgm:presLayoutVars>
-          <dgm:chPref val="3"/>
-        </dgm:presLayoutVars>
-      </dgm:prSet>
-      <dgm:spPr/>
-    </dgm:pt>
-    <dgm:pt modelId="{62420E4B-7E3E-D543-9D47-EA40D38E40E9}" type="pres">
-      <dgm:prSet presAssocID="{9DB0519A-1BE5-534D-8D1C-8A619ED1E354}" presName="level3hierChild" presStyleCnt="0"/>
-      <dgm:spPr/>
-    </dgm:pt>
-    <dgm:pt modelId="{91B1C449-5E1A-C74A-B114-299CD740AA7A}" type="pres">
-      <dgm:prSet presAssocID="{EC9DA0A6-66DE-1548-8A8B-D4F7251E02AE}" presName="conn2-1" presStyleLbl="parChTrans1D4" presStyleIdx="3" presStyleCnt="4"/>
-      <dgm:spPr/>
-    </dgm:pt>
-    <dgm:pt modelId="{DDAB78CE-1D3A-CF42-BFDD-874162DE4274}" type="pres">
-      <dgm:prSet presAssocID="{EC9DA0A6-66DE-1548-8A8B-D4F7251E02AE}" presName="connTx" presStyleLbl="parChTrans1D4" presStyleIdx="3" presStyleCnt="4"/>
-      <dgm:spPr/>
-    </dgm:pt>
-    <dgm:pt modelId="{E9B179EB-3700-C642-8D8A-6324DAF06289}" type="pres">
-      <dgm:prSet presAssocID="{4FF9C550-9F8C-2E48-B161-15B6FFBF4F03}" presName="root2" presStyleCnt="0"/>
-      <dgm:spPr/>
-    </dgm:pt>
-    <dgm:pt modelId="{9763DA12-D407-A446-A8AC-F7C15F7C8936}" type="pres">
-      <dgm:prSet presAssocID="{4FF9C550-9F8C-2E48-B161-15B6FFBF4F03}" presName="LevelTwoTextNode" presStyleLbl="node4" presStyleIdx="3" presStyleCnt="4" custScaleY="147947" custLinFactNeighborX="-8408" custLinFactNeighborY="46978">
-        <dgm:presLayoutVars>
-          <dgm:chPref val="3"/>
-        </dgm:presLayoutVars>
-      </dgm:prSet>
-      <dgm:spPr/>
-    </dgm:pt>
-    <dgm:pt modelId="{390AF5A6-CF00-AA43-BCB6-B281D5A2E8A3}" type="pres">
-      <dgm:prSet presAssocID="{4FF9C550-9F8C-2E48-B161-15B6FFBF4F03}" presName="level3hierChild" presStyleCnt="0"/>
-      <dgm:spPr/>
-    </dgm:pt>
-    <dgm:pt modelId="{AA134406-4B55-A64F-813A-572D3D5481C4}" type="pres">
-      <dgm:prSet presAssocID="{7837F4CD-4F93-9542-9E3B-15BC4204109D}" presName="conn2-1" presStyleLbl="parChTrans1D2" presStyleIdx="1" presStyleCnt="3"/>
-      <dgm:spPr/>
-    </dgm:pt>
-    <dgm:pt modelId="{70156F59-596E-E746-A7FB-E9E55CB16C1A}" type="pres">
-      <dgm:prSet presAssocID="{7837F4CD-4F93-9542-9E3B-15BC4204109D}" presName="connTx" presStyleLbl="parChTrans1D2" presStyleIdx="1" presStyleCnt="3"/>
-      <dgm:spPr/>
-    </dgm:pt>
-    <dgm:pt modelId="{CFFB59AF-CBB8-1840-B50D-194DECBA254A}" type="pres">
-      <dgm:prSet presAssocID="{C9A41A88-86D1-4E48-BDF9-0E40BF263253}" presName="root2" presStyleCnt="0"/>
-      <dgm:spPr/>
-    </dgm:pt>
-    <dgm:pt modelId="{70C580C6-2DEE-0046-B89B-ADCEB3376592}" type="pres">
-      <dgm:prSet presAssocID="{C9A41A88-86D1-4E48-BDF9-0E40BF263253}" presName="LevelTwoTextNode" presStyleLbl="node2" presStyleIdx="1" presStyleCnt="3" custScaleY="111764" custLinFactNeighborX="570" custLinFactNeighborY="246">
-        <dgm:presLayoutVars>
-          <dgm:chPref val="3"/>
-        </dgm:presLayoutVars>
-      </dgm:prSet>
-      <dgm:spPr/>
-    </dgm:pt>
-    <dgm:pt modelId="{459366A5-4CE9-1F4D-ABC0-03FF9F26891A}" type="pres">
+    <dgm:pt modelId="{2B4CF4BC-9C5B-744F-9F99-34F8409474D5}" type="pres">
       <dgm:prSet presAssocID="{C9A41A88-86D1-4E48-BDF9-0E40BF263253}" presName="level3hierChild" presStyleCnt="0"/>
       <dgm:spPr/>
     </dgm:pt>
@@ -1963,44 +1500,28 @@
     </dgm:pt>
   </dgm:ptLst>
   <dgm:cxnLst>
-    <dgm:cxn modelId="{0521FA02-1990-E844-9F37-5D918A75C7FC}" type="presOf" srcId="{EC9DA0A6-66DE-1548-8A8B-D4F7251E02AE}" destId="{DDAB78CE-1D3A-CF42-BFDD-874162DE4274}" srcOrd="1" destOrd="0" presId="urn:microsoft.com/office/officeart/2005/8/layout/hierarchy2"/>
-    <dgm:cxn modelId="{BF2C8A04-B97C-7240-B722-1647F0C85072}" type="presOf" srcId="{C9A41A88-86D1-4E48-BDF9-0E40BF263253}" destId="{70C580C6-2DEE-0046-B89B-ADCEB3376592}" srcOrd="0" destOrd="0" presId="urn:microsoft.com/office/officeart/2005/8/layout/hierarchy2"/>
-    <dgm:cxn modelId="{D9F6D50C-9165-FB43-918F-2E5D53CD149B}" type="presOf" srcId="{C0258D30-2402-B84C-A439-ADD40BBFBA2E}" destId="{41CED800-5C83-AF42-9308-43EBBF15AA33}" srcOrd="0" destOrd="0" presId="urn:microsoft.com/office/officeart/2005/8/layout/hierarchy2"/>
+    <dgm:cxn modelId="{1D25A602-0F19-5D46-8502-3B5C5912CFE4}" type="presOf" srcId="{C0258D30-2402-B84C-A439-ADD40BBFBA2E}" destId="{41CED800-5C83-AF42-9308-43EBBF15AA33}" srcOrd="0" destOrd="0" presId="urn:microsoft.com/office/officeart/2005/8/layout/hierarchy2"/>
     <dgm:cxn modelId="{99FD1011-6062-5B4E-BDD9-9E9923C0BF1D}" type="presOf" srcId="{0670FA4F-D353-4948-BEF3-6FA82EA3CB24}" destId="{25EAB31D-AD55-4645-9D9C-5AEEEB821316}" srcOrd="0" destOrd="0" presId="urn:microsoft.com/office/officeart/2005/8/layout/hierarchy2"/>
-    <dgm:cxn modelId="{3FE6B01A-D616-C442-A147-CBF303AA0E08}" type="presOf" srcId="{7837F4CD-4F93-9542-9E3B-15BC4204109D}" destId="{70156F59-596E-E746-A7FB-E9E55CB16C1A}" srcOrd="1" destOrd="0" presId="urn:microsoft.com/office/officeart/2005/8/layout/hierarchy2"/>
-    <dgm:cxn modelId="{870F6D1C-BE50-3342-8467-705E2ED3E4FB}" type="presOf" srcId="{DC6036D9-F07A-C841-BAD0-72B0864FE846}" destId="{1EAA115E-1473-6C43-AE20-D08EF151C4E1}" srcOrd="0" destOrd="0" presId="urn:microsoft.com/office/officeart/2005/8/layout/hierarchy2"/>
-    <dgm:cxn modelId="{13D5581E-6BB6-614A-9047-751FD21CD4BF}" type="presOf" srcId="{ACB99F48-0BD5-8D4A-AA01-F6D82D6245D0}" destId="{9FFC51CF-7C31-2A4F-A77A-8169AD20D5C0}" srcOrd="0" destOrd="0" presId="urn:microsoft.com/office/officeart/2005/8/layout/hierarchy2"/>
     <dgm:cxn modelId="{2AEF3B24-157A-FF4D-AFD2-BA0EC5C4DE5B}" type="presOf" srcId="{629825B9-7219-1341-A397-CB3C62F568A3}" destId="{8EBACF88-285F-C145-A4AB-6F16BCF121E9}" srcOrd="0" destOrd="0" presId="urn:microsoft.com/office/officeart/2005/8/layout/hierarchy2"/>
     <dgm:cxn modelId="{90502127-7AA5-B543-AB40-7AA250EA116D}" type="presOf" srcId="{251BEE67-DB5E-CF45-A31D-FBE00CC9F0CD}" destId="{AF1D8697-77EB-974E-AD24-B7AE86393037}" srcOrd="1" destOrd="0" presId="urn:microsoft.com/office/officeart/2005/8/layout/hierarchy2"/>
     <dgm:cxn modelId="{7388422B-D78F-EE43-9ADC-57587C404F56}" srcId="{9215B1C4-A80B-6240-86D8-95C4AE91C74D}" destId="{C9A41A88-86D1-4E48-BDF9-0E40BF263253}" srcOrd="1" destOrd="0" parTransId="{7837F4CD-4F93-9542-9E3B-15BC4204109D}" sibTransId="{722661D4-B771-994F-88B0-CF3C6B990DEE}"/>
     <dgm:cxn modelId="{5C99802D-D14D-284C-BDEE-46BB01DBACE5}" type="presOf" srcId="{FD4D8166-9298-B44D-9BFC-B86F2B52D581}" destId="{E2B36B97-36DD-8F4E-9EC5-06D21EFDA172}" srcOrd="0" destOrd="0" presId="urn:microsoft.com/office/officeart/2005/8/layout/hierarchy2"/>
     <dgm:cxn modelId="{3BADA43A-CA17-C441-A7AC-9182A2E43A0C}" type="presOf" srcId="{1EF36880-D127-9841-BF8B-FAE1F6D53B8D}" destId="{17E49AE5-5FD7-0E46-9A6D-990C336176FD}" srcOrd="0" destOrd="0" presId="urn:microsoft.com/office/officeart/2005/8/layout/hierarchy2"/>
-    <dgm:cxn modelId="{6C0CD04D-15D4-3740-B8B8-C002C07EA257}" type="presOf" srcId="{ACB99F48-0BD5-8D4A-AA01-F6D82D6245D0}" destId="{D49DB0BE-7A07-2A40-A59F-BA62E20C7F6B}" srcOrd="1" destOrd="0" presId="urn:microsoft.com/office/officeart/2005/8/layout/hierarchy2"/>
+    <dgm:cxn modelId="{FE2D1A49-79D0-D64B-AD0A-7DE84626D271}" type="presOf" srcId="{C9A41A88-86D1-4E48-BDF9-0E40BF263253}" destId="{ED44F827-0FE2-1244-A50B-EE2BC79AC5AD}" srcOrd="0" destOrd="0" presId="urn:microsoft.com/office/officeart/2005/8/layout/hierarchy2"/>
     <dgm:cxn modelId="{A0D81153-9F59-254A-9C2B-FDA449267BC7}" srcId="{9215B1C4-A80B-6240-86D8-95C4AE91C74D}" destId="{C0258D30-2402-B84C-A439-ADD40BBFBA2E}" srcOrd="2" destOrd="0" parTransId="{98D203FF-15A5-054A-9C99-4352F0181FE2}" sibTransId="{758D2047-0BD7-414C-B4DE-282C4EB23755}"/>
-    <dgm:cxn modelId="{3D9C9A59-DD5D-8748-BB72-1F991BEFB5F9}" type="presOf" srcId="{EC9DA0A6-66DE-1548-8A8B-D4F7251E02AE}" destId="{91B1C449-5E1A-C74A-B114-299CD740AA7A}" srcOrd="0" destOrd="0" presId="urn:microsoft.com/office/officeart/2005/8/layout/hierarchy2"/>
-    <dgm:cxn modelId="{41743B5B-DA27-3442-9D88-7D09970273BB}" type="presOf" srcId="{7837F4CD-4F93-9542-9E3B-15BC4204109D}" destId="{AA134406-4B55-A64F-813A-572D3D5481C4}" srcOrd="0" destOrd="0" presId="urn:microsoft.com/office/officeart/2005/8/layout/hierarchy2"/>
-    <dgm:cxn modelId="{3F58DA60-285F-FB4F-8586-D02958B798BB}" type="presOf" srcId="{98D203FF-15A5-054A-9C99-4352F0181FE2}" destId="{F5D00BC5-A40A-6D40-B13F-86CBC287BA74}" srcOrd="0" destOrd="0" presId="urn:microsoft.com/office/officeart/2005/8/layout/hierarchy2"/>
-    <dgm:cxn modelId="{C6C1C561-8B49-9349-822B-A0AF10691266}" type="presOf" srcId="{DC6036D9-F07A-C841-BAD0-72B0864FE846}" destId="{D24269DE-2F72-6242-8CAB-7F866D3A77F7}" srcOrd="1" destOrd="0" presId="urn:microsoft.com/office/officeart/2005/8/layout/hierarchy2"/>
     <dgm:cxn modelId="{4920316F-A30B-7C4C-B2AE-D7B5D5CF7906}" type="presOf" srcId="{44689438-D694-CC4C-8CC3-5CB0BEE3AE57}" destId="{4488604B-CBE9-504B-815D-EE4821A7F201}" srcOrd="0" destOrd="0" presId="urn:microsoft.com/office/officeart/2005/8/layout/hierarchy2"/>
     <dgm:cxn modelId="{B88E3979-24AA-4246-8EE2-D51C7BCB34C9}" type="presOf" srcId="{251BEE67-DB5E-CF45-A31D-FBE00CC9F0CD}" destId="{400D1F1E-96C9-D544-AA49-103BF01D25EC}" srcOrd="0" destOrd="0" presId="urn:microsoft.com/office/officeart/2005/8/layout/hierarchy2"/>
-    <dgm:cxn modelId="{5276CC9D-FF91-B144-896C-BC4407BB9568}" type="presOf" srcId="{98D203FF-15A5-054A-9C99-4352F0181FE2}" destId="{75FC3D8D-2FFF-4545-9B23-D3C181D6A901}" srcOrd="1" destOrd="0" presId="urn:microsoft.com/office/officeart/2005/8/layout/hierarchy2"/>
-    <dgm:cxn modelId="{59E4FCA2-AF26-8045-A27D-724508764050}" type="presOf" srcId="{9DB0519A-1BE5-534D-8D1C-8A619ED1E354}" destId="{2840A26D-3B24-5948-A6DA-604F7AD03B22}" srcOrd="0" destOrd="0" presId="urn:microsoft.com/office/officeart/2005/8/layout/hierarchy2"/>
+    <dgm:cxn modelId="{EE227389-C941-954C-8F93-03C3790A4F38}" type="presOf" srcId="{98D203FF-15A5-054A-9C99-4352F0181FE2}" destId="{F5D00BC5-A40A-6D40-B13F-86CBC287BA74}" srcOrd="0" destOrd="0" presId="urn:microsoft.com/office/officeart/2005/8/layout/hierarchy2"/>
     <dgm:cxn modelId="{0E8F7BA6-953B-3145-A083-E5451BAF9CDC}" srcId="{298211A0-AFE8-484B-A304-40136CF4B95C}" destId="{1EF36880-D127-9841-BF8B-FAE1F6D53B8D}" srcOrd="0" destOrd="0" parTransId="{629825B9-7219-1341-A397-CB3C62F568A3}" sibTransId="{BEDED24C-31DF-6044-A766-5D95F01A9CF1}"/>
-    <dgm:cxn modelId="{DCFA82AA-F35C-AC47-89D8-0E05B4BFD4B4}" type="presOf" srcId="{BB1B0E4D-B0C8-8046-835A-CBDD7147387F}" destId="{103CF40D-5902-7F4B-8DEA-27007712B6CB}" srcOrd="0" destOrd="0" presId="urn:microsoft.com/office/officeart/2005/8/layout/hierarchy2"/>
     <dgm:cxn modelId="{E53DC2AE-A708-794C-9BE7-70DD4DCEE2C3}" srcId="{9215B1C4-A80B-6240-86D8-95C4AE91C74D}" destId="{298211A0-AFE8-484B-A304-40136CF4B95C}" srcOrd="0" destOrd="0" parTransId="{0670FA4F-D353-4948-BEF3-6FA82EA3CB24}" sibTransId="{F6332557-6A05-2C41-BEC5-5BA593654E84}"/>
-    <dgm:cxn modelId="{80AC3DAF-1656-094E-81CE-487ECBF272CD}" type="presOf" srcId="{4FF9C550-9F8C-2E48-B161-15B6FFBF4F03}" destId="{9763DA12-D407-A446-A8AC-F7C15F7C8936}" srcOrd="0" destOrd="0" presId="urn:microsoft.com/office/officeart/2005/8/layout/hierarchy2"/>
     <dgm:cxn modelId="{4C0301B9-DCF5-E048-9A2C-05D40BF806CF}" type="presOf" srcId="{0670FA4F-D353-4948-BEF3-6FA82EA3CB24}" destId="{F6B3026D-6B7C-D74E-B3CA-0D8ABD9C66BE}" srcOrd="1" destOrd="0" presId="urn:microsoft.com/office/officeart/2005/8/layout/hierarchy2"/>
-    <dgm:cxn modelId="{A2876DC9-27CB-3841-AEF9-3686A4312C2C}" type="presOf" srcId="{2BEB2B67-D349-9E4A-B8B4-B4DA6C42D859}" destId="{1D4AE904-8C3C-A64E-9495-D2D462A05CBA}" srcOrd="0" destOrd="0" presId="urn:microsoft.com/office/officeart/2005/8/layout/hierarchy2"/>
     <dgm:cxn modelId="{27E4E8C9-3819-CB40-8A86-EEAF91695E88}" type="presOf" srcId="{298211A0-AFE8-484B-A304-40136CF4B95C}" destId="{C2064A14-53EF-C34A-973B-993C1EB228CE}" srcOrd="0" destOrd="0" presId="urn:microsoft.com/office/officeart/2005/8/layout/hierarchy2"/>
     <dgm:cxn modelId="{80B067CA-E74A-5041-8ADC-070EEC097743}" type="presOf" srcId="{9215B1C4-A80B-6240-86D8-95C4AE91C74D}" destId="{AC1ECF08-4BE0-E143-A88D-6439A7220749}" srcOrd="0" destOrd="0" presId="urn:microsoft.com/office/officeart/2005/8/layout/hierarchy2"/>
     <dgm:cxn modelId="{DB4EBACA-C773-4A44-8708-79B55D77000D}" srcId="{FD4D8166-9298-B44D-9BFC-B86F2B52D581}" destId="{9215B1C4-A80B-6240-86D8-95C4AE91C74D}" srcOrd="0" destOrd="0" parTransId="{FE82136A-FE5D-9E44-86CC-59887C821820}" sibTransId="{115E24A9-22D5-5245-B4D3-47077490A8A2}"/>
     <dgm:cxn modelId="{906323CB-40F5-9F48-B9D9-31CC66C12D2D}" srcId="{298211A0-AFE8-484B-A304-40136CF4B95C}" destId="{44689438-D694-CC4C-8CC3-5CB0BEE3AE57}" srcOrd="1" destOrd="0" parTransId="{251BEE67-DB5E-CF45-A31D-FBE00CC9F0CD}" sibTransId="{3A69E2E8-1A89-754D-92E8-37E384807577}"/>
-    <dgm:cxn modelId="{91A072CF-FDA2-A940-A41A-2DA76F252E69}" srcId="{44689438-D694-CC4C-8CC3-5CB0BEE3AE57}" destId="{BB1B0E4D-B0C8-8046-835A-CBDD7147387F}" srcOrd="0" destOrd="0" parTransId="{DC6036D9-F07A-C841-BAD0-72B0864FE846}" sibTransId="{287EE9B3-9513-BE4A-8EB6-CCC97427C213}"/>
-    <dgm:cxn modelId="{DC1716D3-B5B3-A442-9489-7DC9B9BF5A62}" srcId="{2BEB2B67-D349-9E4A-B8B4-B4DA6C42D859}" destId="{9DB0519A-1BE5-534D-8D1C-8A619ED1E354}" srcOrd="0" destOrd="0" parTransId="{ACB99F48-0BD5-8D4A-AA01-F6D82D6245D0}" sibTransId="{04C214AA-71A7-B74E-89B1-A2746AFDCBC3}"/>
-    <dgm:cxn modelId="{29FBADD3-AB0A-DD46-96ED-F699E16F9320}" type="presOf" srcId="{B2051F75-A465-E84A-B8C4-13AD4AABD8F4}" destId="{F15A3EB8-EEBB-814B-91BB-DE4E3F16F5E3}" srcOrd="1" destOrd="0" presId="urn:microsoft.com/office/officeart/2005/8/layout/hierarchy2"/>
-    <dgm:cxn modelId="{DCA110D9-D114-5D40-9573-96727EB936FF}" srcId="{44689438-D694-CC4C-8CC3-5CB0BEE3AE57}" destId="{2BEB2B67-D349-9E4A-B8B4-B4DA6C42D859}" srcOrd="1" destOrd="0" parTransId="{B2051F75-A465-E84A-B8C4-13AD4AABD8F4}" sibTransId="{AEF8E63B-1BB3-D94D-998C-5099AAD5B974}"/>
-    <dgm:cxn modelId="{4582A7DD-0548-1541-B462-345E866FE16D}" srcId="{2BEB2B67-D349-9E4A-B8B4-B4DA6C42D859}" destId="{4FF9C550-9F8C-2E48-B161-15B6FFBF4F03}" srcOrd="1" destOrd="0" parTransId="{EC9DA0A6-66DE-1548-8A8B-D4F7251E02AE}" sibTransId="{7E4CE893-4087-0945-B641-8643A9268DA6}"/>
-    <dgm:cxn modelId="{275DD6E7-17C8-BE4E-9615-CCD2C9BEB904}" type="presOf" srcId="{B2051F75-A465-E84A-B8C4-13AD4AABD8F4}" destId="{B0914C68-411D-794D-8747-AE3B89DE012B}" srcOrd="0" destOrd="0" presId="urn:microsoft.com/office/officeart/2005/8/layout/hierarchy2"/>
+    <dgm:cxn modelId="{53B6DEE9-A953-5846-8662-792C36B75F9E}" type="presOf" srcId="{7837F4CD-4F93-9542-9E3B-15BC4204109D}" destId="{D3724870-C8B6-4A44-92A6-1066BEFAA1A0}" srcOrd="1" destOrd="0" presId="urn:microsoft.com/office/officeart/2005/8/layout/hierarchy2"/>
+    <dgm:cxn modelId="{996C09EC-A21C-4747-80D2-4EAA11E1D515}" type="presOf" srcId="{98D203FF-15A5-054A-9C99-4352F0181FE2}" destId="{75FC3D8D-2FFF-4545-9B23-D3C181D6A901}" srcOrd="1" destOrd="0" presId="urn:microsoft.com/office/officeart/2005/8/layout/hierarchy2"/>
+    <dgm:cxn modelId="{6DFADAEC-0EBC-4741-AAE1-E5FD68F0427C}" type="presOf" srcId="{7837F4CD-4F93-9542-9E3B-15BC4204109D}" destId="{6140B3FE-7907-2E49-A718-E790BE84940C}" srcOrd="0" destOrd="0" presId="urn:microsoft.com/office/officeart/2005/8/layout/hierarchy2"/>
     <dgm:cxn modelId="{6C5DBFF0-E34C-7846-A244-9A248A9DE4DD}" type="presOf" srcId="{629825B9-7219-1341-A397-CB3C62F568A3}" destId="{14BF9ED4-D9EE-8648-BF92-E39D96C1C51B}" srcOrd="1" destOrd="0" presId="urn:microsoft.com/office/officeart/2005/8/layout/hierarchy2"/>
     <dgm:cxn modelId="{4102FEA4-1672-5D46-9485-FBD27618F264}" type="presParOf" srcId="{E2B36B97-36DD-8F4E-9EC5-06D21EFDA172}" destId="{FB5B7FFD-71C5-C742-92B4-BD2AFAB891B3}" srcOrd="0" destOrd="0" presId="urn:microsoft.com/office/officeart/2005/8/layout/hierarchy2"/>
     <dgm:cxn modelId="{8586C0C0-854E-2148-9FA4-4A78DCEAABC0}" type="presParOf" srcId="{FB5B7FFD-71C5-C742-92B4-BD2AFAB891B3}" destId="{AC1ECF08-4BE0-E143-A88D-6439A7220749}" srcOrd="0" destOrd="0" presId="urn:microsoft.com/office/officeart/2005/8/layout/hierarchy2"/>
@@ -2020,43 +1541,21 @@
     <dgm:cxn modelId="{49734E56-B8AE-704C-A26E-B475AE1CC45B}" type="presParOf" srcId="{3391E8EE-42B6-A24C-A246-2B1ECFE3609A}" destId="{4DFE6130-3A26-C649-9E9E-236CC531DB12}" srcOrd="3" destOrd="0" presId="urn:microsoft.com/office/officeart/2005/8/layout/hierarchy2"/>
     <dgm:cxn modelId="{5B5B4259-15D0-0648-8D0A-18625A99A6DC}" type="presParOf" srcId="{4DFE6130-3A26-C649-9E9E-236CC531DB12}" destId="{4488604B-CBE9-504B-815D-EE4821A7F201}" srcOrd="0" destOrd="0" presId="urn:microsoft.com/office/officeart/2005/8/layout/hierarchy2"/>
     <dgm:cxn modelId="{525AAF2C-82C0-9D49-B1C3-14E09B9425AA}" type="presParOf" srcId="{4DFE6130-3A26-C649-9E9E-236CC531DB12}" destId="{509B326E-40C0-6F4E-952F-7AED9A7A6BA1}" srcOrd="1" destOrd="0" presId="urn:microsoft.com/office/officeart/2005/8/layout/hierarchy2"/>
-    <dgm:cxn modelId="{CA7F968F-B624-4143-9618-C7A91DE92BA3}" type="presParOf" srcId="{509B326E-40C0-6F4E-952F-7AED9A7A6BA1}" destId="{1EAA115E-1473-6C43-AE20-D08EF151C4E1}" srcOrd="0" destOrd="0" presId="urn:microsoft.com/office/officeart/2005/8/layout/hierarchy2"/>
-    <dgm:cxn modelId="{B9B0523A-9392-1747-97D9-3B7DF1229B03}" type="presParOf" srcId="{1EAA115E-1473-6C43-AE20-D08EF151C4E1}" destId="{D24269DE-2F72-6242-8CAB-7F866D3A77F7}" srcOrd="0" destOrd="0" presId="urn:microsoft.com/office/officeart/2005/8/layout/hierarchy2"/>
-    <dgm:cxn modelId="{6FC73BB0-43F2-8C4D-BF1F-C147FD0E70A9}" type="presParOf" srcId="{509B326E-40C0-6F4E-952F-7AED9A7A6BA1}" destId="{FDBEEA4B-BBA7-674C-92C6-5454F122A923}" srcOrd="1" destOrd="0" presId="urn:microsoft.com/office/officeart/2005/8/layout/hierarchy2"/>
-    <dgm:cxn modelId="{4E822097-098F-2040-88C8-93BF7C84A3A3}" type="presParOf" srcId="{FDBEEA4B-BBA7-674C-92C6-5454F122A923}" destId="{103CF40D-5902-7F4B-8DEA-27007712B6CB}" srcOrd="0" destOrd="0" presId="urn:microsoft.com/office/officeart/2005/8/layout/hierarchy2"/>
-    <dgm:cxn modelId="{521B51B3-D240-254B-8A58-79B7D17AED46}" type="presParOf" srcId="{FDBEEA4B-BBA7-674C-92C6-5454F122A923}" destId="{3C2C3825-78FA-6E42-A69C-C3426FD4FCF4}" srcOrd="1" destOrd="0" presId="urn:microsoft.com/office/officeart/2005/8/layout/hierarchy2"/>
-    <dgm:cxn modelId="{B00CC2F9-1698-A64D-A231-735A12F11878}" type="presParOf" srcId="{509B326E-40C0-6F4E-952F-7AED9A7A6BA1}" destId="{B0914C68-411D-794D-8747-AE3B89DE012B}" srcOrd="2" destOrd="0" presId="urn:microsoft.com/office/officeart/2005/8/layout/hierarchy2"/>
-    <dgm:cxn modelId="{85FAA613-3056-1A46-AD27-69AD7B91E404}" type="presParOf" srcId="{B0914C68-411D-794D-8747-AE3B89DE012B}" destId="{F15A3EB8-EEBB-814B-91BB-DE4E3F16F5E3}" srcOrd="0" destOrd="0" presId="urn:microsoft.com/office/officeart/2005/8/layout/hierarchy2"/>
-    <dgm:cxn modelId="{F9683E82-219F-F341-A32E-1B285B0A5E2D}" type="presParOf" srcId="{509B326E-40C0-6F4E-952F-7AED9A7A6BA1}" destId="{CA4903AD-78DA-4F4C-950D-752DDF5247E9}" srcOrd="3" destOrd="0" presId="urn:microsoft.com/office/officeart/2005/8/layout/hierarchy2"/>
-    <dgm:cxn modelId="{D248EA36-693D-6847-9909-E60B01CA918C}" type="presParOf" srcId="{CA4903AD-78DA-4F4C-950D-752DDF5247E9}" destId="{1D4AE904-8C3C-A64E-9495-D2D462A05CBA}" srcOrd="0" destOrd="0" presId="urn:microsoft.com/office/officeart/2005/8/layout/hierarchy2"/>
-    <dgm:cxn modelId="{71F3F630-DE19-4D4B-8324-D5FAAB24C0D3}" type="presParOf" srcId="{CA4903AD-78DA-4F4C-950D-752DDF5247E9}" destId="{7745394D-5322-2F42-893C-C1BDC423091D}" srcOrd="1" destOrd="0" presId="urn:microsoft.com/office/officeart/2005/8/layout/hierarchy2"/>
-    <dgm:cxn modelId="{9DB3500D-5A51-A04E-BDAD-877FBA573A89}" type="presParOf" srcId="{7745394D-5322-2F42-893C-C1BDC423091D}" destId="{9FFC51CF-7C31-2A4F-A77A-8169AD20D5C0}" srcOrd="0" destOrd="0" presId="urn:microsoft.com/office/officeart/2005/8/layout/hierarchy2"/>
-    <dgm:cxn modelId="{229A86BB-4C7A-D34C-BA2C-30B8DADD2789}" type="presParOf" srcId="{9FFC51CF-7C31-2A4F-A77A-8169AD20D5C0}" destId="{D49DB0BE-7A07-2A40-A59F-BA62E20C7F6B}" srcOrd="0" destOrd="0" presId="urn:microsoft.com/office/officeart/2005/8/layout/hierarchy2"/>
-    <dgm:cxn modelId="{483E4963-964E-FC4D-B3F6-C24AA056E4AE}" type="presParOf" srcId="{7745394D-5322-2F42-893C-C1BDC423091D}" destId="{0FD3B6BD-E526-DD4E-811D-EC8E92960A33}" srcOrd="1" destOrd="0" presId="urn:microsoft.com/office/officeart/2005/8/layout/hierarchy2"/>
-    <dgm:cxn modelId="{024DDBD8-8A37-E446-91BC-169797583021}" type="presParOf" srcId="{0FD3B6BD-E526-DD4E-811D-EC8E92960A33}" destId="{2840A26D-3B24-5948-A6DA-604F7AD03B22}" srcOrd="0" destOrd="0" presId="urn:microsoft.com/office/officeart/2005/8/layout/hierarchy2"/>
-    <dgm:cxn modelId="{40FC13A9-7ABF-ED4A-89C9-D017E7155A53}" type="presParOf" srcId="{0FD3B6BD-E526-DD4E-811D-EC8E92960A33}" destId="{62420E4B-7E3E-D543-9D47-EA40D38E40E9}" srcOrd="1" destOrd="0" presId="urn:microsoft.com/office/officeart/2005/8/layout/hierarchy2"/>
-    <dgm:cxn modelId="{D460F971-6F2A-764A-80AB-6CDC962B3360}" type="presParOf" srcId="{7745394D-5322-2F42-893C-C1BDC423091D}" destId="{91B1C449-5E1A-C74A-B114-299CD740AA7A}" srcOrd="2" destOrd="0" presId="urn:microsoft.com/office/officeart/2005/8/layout/hierarchy2"/>
-    <dgm:cxn modelId="{92FB783B-A288-804B-8BDF-124DFE617E38}" type="presParOf" srcId="{91B1C449-5E1A-C74A-B114-299CD740AA7A}" destId="{DDAB78CE-1D3A-CF42-BFDD-874162DE4274}" srcOrd="0" destOrd="0" presId="urn:microsoft.com/office/officeart/2005/8/layout/hierarchy2"/>
-    <dgm:cxn modelId="{8C82FB56-D450-7B44-994D-F6530BA556ED}" type="presParOf" srcId="{7745394D-5322-2F42-893C-C1BDC423091D}" destId="{E9B179EB-3700-C642-8D8A-6324DAF06289}" srcOrd="3" destOrd="0" presId="urn:microsoft.com/office/officeart/2005/8/layout/hierarchy2"/>
-    <dgm:cxn modelId="{40C0CC28-270E-A34A-B49E-7A3CB274B990}" type="presParOf" srcId="{E9B179EB-3700-C642-8D8A-6324DAF06289}" destId="{9763DA12-D407-A446-A8AC-F7C15F7C8936}" srcOrd="0" destOrd="0" presId="urn:microsoft.com/office/officeart/2005/8/layout/hierarchy2"/>
-    <dgm:cxn modelId="{5D631B38-DC3E-8C4E-AB80-CB3114C27C05}" type="presParOf" srcId="{E9B179EB-3700-C642-8D8A-6324DAF06289}" destId="{390AF5A6-CF00-AA43-BCB6-B281D5A2E8A3}" srcOrd="1" destOrd="0" presId="urn:microsoft.com/office/officeart/2005/8/layout/hierarchy2"/>
-    <dgm:cxn modelId="{DED5C084-1251-3047-BF76-D7FF638D3D86}" type="presParOf" srcId="{5E044545-EB3B-0A49-89A4-7309ADB33DED}" destId="{AA134406-4B55-A64F-813A-572D3D5481C4}" srcOrd="2" destOrd="0" presId="urn:microsoft.com/office/officeart/2005/8/layout/hierarchy2"/>
-    <dgm:cxn modelId="{79C30861-42FC-EA4B-A2F4-AE20946877DA}" type="presParOf" srcId="{AA134406-4B55-A64F-813A-572D3D5481C4}" destId="{70156F59-596E-E746-A7FB-E9E55CB16C1A}" srcOrd="0" destOrd="0" presId="urn:microsoft.com/office/officeart/2005/8/layout/hierarchy2"/>
-    <dgm:cxn modelId="{EF44F7C5-8F84-2A41-A382-A30CFE37096D}" type="presParOf" srcId="{5E044545-EB3B-0A49-89A4-7309ADB33DED}" destId="{CFFB59AF-CBB8-1840-B50D-194DECBA254A}" srcOrd="3" destOrd="0" presId="urn:microsoft.com/office/officeart/2005/8/layout/hierarchy2"/>
-    <dgm:cxn modelId="{E5D8A274-B2ED-6B4B-9D60-B1E6C69B78A9}" type="presParOf" srcId="{CFFB59AF-CBB8-1840-B50D-194DECBA254A}" destId="{70C580C6-2DEE-0046-B89B-ADCEB3376592}" srcOrd="0" destOrd="0" presId="urn:microsoft.com/office/officeart/2005/8/layout/hierarchy2"/>
-    <dgm:cxn modelId="{A78530B9-62E4-CC45-9FEC-46E6F4C911EF}" type="presParOf" srcId="{CFFB59AF-CBB8-1840-B50D-194DECBA254A}" destId="{459366A5-4CE9-1F4D-ABC0-03FF9F26891A}" srcOrd="1" destOrd="0" presId="urn:microsoft.com/office/officeart/2005/8/layout/hierarchy2"/>
-    <dgm:cxn modelId="{38BFBB71-D3F7-4A4B-B8D8-7704932F4884}" type="presParOf" srcId="{5E044545-EB3B-0A49-89A4-7309ADB33DED}" destId="{F5D00BC5-A40A-6D40-B13F-86CBC287BA74}" srcOrd="4" destOrd="0" presId="urn:microsoft.com/office/officeart/2005/8/layout/hierarchy2"/>
-    <dgm:cxn modelId="{E474FCAE-21DF-A849-A992-AFB2AD3C3864}" type="presParOf" srcId="{F5D00BC5-A40A-6D40-B13F-86CBC287BA74}" destId="{75FC3D8D-2FFF-4545-9B23-D3C181D6A901}" srcOrd="0" destOrd="0" presId="urn:microsoft.com/office/officeart/2005/8/layout/hierarchy2"/>
-    <dgm:cxn modelId="{7C40BA4F-E871-AB4B-8997-C7FB5AD6E92D}" type="presParOf" srcId="{5E044545-EB3B-0A49-89A4-7309ADB33DED}" destId="{80169C16-251C-0B41-BA57-E092DBDF490D}" srcOrd="5" destOrd="0" presId="urn:microsoft.com/office/officeart/2005/8/layout/hierarchy2"/>
-    <dgm:cxn modelId="{0AF92239-4051-884A-B1A9-5F569DF4AE60}" type="presParOf" srcId="{80169C16-251C-0B41-BA57-E092DBDF490D}" destId="{41CED800-5C83-AF42-9308-43EBBF15AA33}" srcOrd="0" destOrd="0" presId="urn:microsoft.com/office/officeart/2005/8/layout/hierarchy2"/>
-    <dgm:cxn modelId="{3F213B09-114F-FA4E-991F-647AF13FEFE5}" type="presParOf" srcId="{80169C16-251C-0B41-BA57-E092DBDF490D}" destId="{CA4EE563-D679-5D48-ADCB-82726A60A72E}" srcOrd="1" destOrd="0" presId="urn:microsoft.com/office/officeart/2005/8/layout/hierarchy2"/>
+    <dgm:cxn modelId="{D8148171-C299-3549-8279-EDB55F62B4E4}" type="presParOf" srcId="{5E044545-EB3B-0A49-89A4-7309ADB33DED}" destId="{6140B3FE-7907-2E49-A718-E790BE84940C}" srcOrd="2" destOrd="0" presId="urn:microsoft.com/office/officeart/2005/8/layout/hierarchy2"/>
+    <dgm:cxn modelId="{C4EE649E-E6D4-5C45-B9D2-2303B8BBE475}" type="presParOf" srcId="{6140B3FE-7907-2E49-A718-E790BE84940C}" destId="{D3724870-C8B6-4A44-92A6-1066BEFAA1A0}" srcOrd="0" destOrd="0" presId="urn:microsoft.com/office/officeart/2005/8/layout/hierarchy2"/>
+    <dgm:cxn modelId="{7559F7EA-3C04-7E46-A1EF-6BD8510B1630}" type="presParOf" srcId="{5E044545-EB3B-0A49-89A4-7309ADB33DED}" destId="{6D172596-3BDF-4748-94B4-2C656C6A1763}" srcOrd="3" destOrd="0" presId="urn:microsoft.com/office/officeart/2005/8/layout/hierarchy2"/>
+    <dgm:cxn modelId="{74F210F5-1FB6-2041-A8A9-1F01A6F46DD3}" type="presParOf" srcId="{6D172596-3BDF-4748-94B4-2C656C6A1763}" destId="{ED44F827-0FE2-1244-A50B-EE2BC79AC5AD}" srcOrd="0" destOrd="0" presId="urn:microsoft.com/office/officeart/2005/8/layout/hierarchy2"/>
+    <dgm:cxn modelId="{20867995-E1EC-1147-A1D0-AFF7BA800E0E}" type="presParOf" srcId="{6D172596-3BDF-4748-94B4-2C656C6A1763}" destId="{2B4CF4BC-9C5B-744F-9F99-34F8409474D5}" srcOrd="1" destOrd="0" presId="urn:microsoft.com/office/officeart/2005/8/layout/hierarchy2"/>
+    <dgm:cxn modelId="{A9DD6395-E1AF-DF46-9DE7-E6638E050CFA}" type="presParOf" srcId="{5E044545-EB3B-0A49-89A4-7309ADB33DED}" destId="{F5D00BC5-A40A-6D40-B13F-86CBC287BA74}" srcOrd="4" destOrd="0" presId="urn:microsoft.com/office/officeart/2005/8/layout/hierarchy2"/>
+    <dgm:cxn modelId="{75B64189-D16E-5949-9F99-CAA791BE9E5A}" type="presParOf" srcId="{F5D00BC5-A40A-6D40-B13F-86CBC287BA74}" destId="{75FC3D8D-2FFF-4545-9B23-D3C181D6A901}" srcOrd="0" destOrd="0" presId="urn:microsoft.com/office/officeart/2005/8/layout/hierarchy2"/>
+    <dgm:cxn modelId="{827E68A0-4BDA-B34C-9FE1-02013180E7EB}" type="presParOf" srcId="{5E044545-EB3B-0A49-89A4-7309ADB33DED}" destId="{80169C16-251C-0B41-BA57-E092DBDF490D}" srcOrd="5" destOrd="0" presId="urn:microsoft.com/office/officeart/2005/8/layout/hierarchy2"/>
+    <dgm:cxn modelId="{FA3EF105-E779-BB43-823B-018F89F2C399}" type="presParOf" srcId="{80169C16-251C-0B41-BA57-E092DBDF490D}" destId="{41CED800-5C83-AF42-9308-43EBBF15AA33}" srcOrd="0" destOrd="0" presId="urn:microsoft.com/office/officeart/2005/8/layout/hierarchy2"/>
+    <dgm:cxn modelId="{14F125CE-B152-B441-96A6-D0ECA57A832A}" type="presParOf" srcId="{80169C16-251C-0B41-BA57-E092DBDF490D}" destId="{CA4EE563-D679-5D48-ADCB-82726A60A72E}" srcOrd="1" destOrd="0" presId="urn:microsoft.com/office/officeart/2005/8/layout/hierarchy2"/>
   </dgm:cxnLst>
   <dgm:bg/>
   <dgm:whole>
     <a:ln>
-      <a:solidFill>
-        <a:schemeClr val="tx1"/>
-      </a:solidFill>
+      <a:noFill/>
     </a:ln>
   </dgm:whole>
   <dgm:extLst>
@@ -2082,8 +1581,8 @@
       </dsp:nvSpPr>
       <dsp:spPr>
         <a:xfrm>
-          <a:off x="84093" y="3216551"/>
-          <a:ext cx="1843294" cy="1030070"/>
+          <a:off x="197884" y="2606214"/>
+          <a:ext cx="3207990" cy="1792689"/>
         </a:xfrm>
         <a:prstGeom prst="roundRect">
           <a:avLst>
@@ -2153,8 +1652,8 @@
         </a:p>
       </dsp:txBody>
       <dsp:txXfrm>
-        <a:off x="114263" y="3246721"/>
-        <a:ext cx="1782954" cy="969730"/>
+        <a:off x="250390" y="2658720"/>
+        <a:ext cx="3102978" cy="1687677"/>
       </dsp:txXfrm>
     </dsp:sp>
     <dsp:sp modelId="{25EAB31D-AD55-4645-9D9C-5AEEEB821316}">
@@ -2163,9 +1662,9 @@
         <dsp:cNvSpPr/>
       </dsp:nvSpPr>
       <dsp:spPr>
-        <a:xfrm rot="17503385">
-          <a:off x="1360384" y="2883238"/>
-          <a:ext cx="1800359" cy="24190"/>
+        <a:xfrm rot="17680926">
+          <a:off x="2648445" y="2299830"/>
+          <a:ext cx="2600988" cy="42099"/>
         </a:xfrm>
         <a:custGeom>
           <a:avLst/>
@@ -2176,10 +1675,10 @@
           <a:pathLst>
             <a:path>
               <a:moveTo>
-                <a:pt x="0" y="12095"/>
+                <a:pt x="0" y="21049"/>
               </a:moveTo>
               <a:lnTo>
-                <a:pt x="1800359" y="12095"/>
+                <a:pt x="2600988" y="21049"/>
               </a:lnTo>
             </a:path>
           </a:pathLst>
@@ -2232,8 +1731,8 @@
         </a:p>
       </dsp:txBody>
       <dsp:txXfrm>
-        <a:off x="2215554" y="2850324"/>
-        <a:ext cx="90017" cy="90017"/>
+        <a:off x="3883915" y="2255855"/>
+        <a:ext cx="130049" cy="130049"/>
       </dsp:txXfrm>
     </dsp:sp>
     <dsp:sp modelId="{C2064A14-53EF-C34A-973B-993C1EB228CE}">
@@ -2243,8 +1742,8 @@
       </dsp:nvSpPr>
       <dsp:spPr>
         <a:xfrm>
-          <a:off x="2593739" y="1544046"/>
-          <a:ext cx="1843294" cy="1030070"/>
+          <a:off x="4492004" y="242856"/>
+          <a:ext cx="3207990" cy="1792689"/>
         </a:xfrm>
         <a:prstGeom prst="roundRect">
           <a:avLst>
@@ -2336,8 +1835,8 @@
         </a:p>
       </dsp:txBody>
       <dsp:txXfrm>
-        <a:off x="2623909" y="1574216"/>
-        <a:ext cx="1782954" cy="969730"/>
+        <a:off x="4544510" y="295362"/>
+        <a:ext cx="3102978" cy="1687677"/>
       </dsp:txXfrm>
     </dsp:sp>
     <dsp:sp modelId="{8EBACF88-285F-C145-A4AB-6F16BCF121E9}">
@@ -2346,9 +1845,9 @@
         <dsp:cNvSpPr/>
       </dsp:nvSpPr>
       <dsp:spPr>
-        <a:xfrm rot="19064065">
-          <a:off x="4324138" y="1754907"/>
-          <a:ext cx="868549" cy="24190"/>
+        <a:xfrm rot="20958119">
+          <a:off x="7690101" y="1012487"/>
+          <a:ext cx="1138412" cy="42099"/>
         </a:xfrm>
         <a:custGeom>
           <a:avLst/>
@@ -2359,10 +1858,10 @@
           <a:pathLst>
             <a:path>
               <a:moveTo>
-                <a:pt x="0" y="12095"/>
+                <a:pt x="0" y="21049"/>
               </a:moveTo>
               <a:lnTo>
-                <a:pt x="868549" y="12095"/>
+                <a:pt x="1138412" y="21049"/>
               </a:lnTo>
             </a:path>
           </a:pathLst>
@@ -2415,8 +1914,8 @@
         </a:p>
       </dsp:txBody>
       <dsp:txXfrm>
-        <a:off x="4736698" y="1745288"/>
-        <a:ext cx="43427" cy="43427"/>
+        <a:off x="8230847" y="1005077"/>
+        <a:ext cx="56920" cy="56920"/>
       </dsp:txXfrm>
     </dsp:sp>
     <dsp:sp modelId="{17E49AE5-5FD7-0E46-9A6D-990C336176FD}">
@@ -2426,8 +1925,8 @@
       </dsp:nvSpPr>
       <dsp:spPr>
         <a:xfrm>
-          <a:off x="5079791" y="959888"/>
-          <a:ext cx="1843294" cy="1030070"/>
+          <a:off x="8818620" y="31529"/>
+          <a:ext cx="3207990" cy="1792689"/>
         </a:xfrm>
         <a:prstGeom prst="roundRect">
           <a:avLst>
@@ -2492,23 +1991,7 @@
                 <a:schemeClr val="tx1"/>
               </a:solidFill>
             </a:rPr>
-            <a:t>(</a:t>
-          </a:r>
-          <a:r>
-            <a:rPr lang="en-US" sz="2000" kern="1200" dirty="0" err="1">
-              <a:solidFill>
-                <a:schemeClr val="tx1"/>
-              </a:solidFill>
-            </a:rPr>
-            <a:t>iMV</a:t>
-          </a:r>
-          <a:r>
-            <a:rPr lang="en-US" sz="2000" kern="1200" dirty="0">
-              <a:solidFill>
-                <a:schemeClr val="tx1"/>
-              </a:solidFill>
-            </a:rPr>
-            <a:t>* = 1)</a:t>
+            <a:t>On Mechanical Ventilator</a:t>
           </a:r>
         </a:p>
         <a:p>
@@ -2535,8 +2018,8 @@
         </a:p>
       </dsp:txBody>
       <dsp:txXfrm>
-        <a:off x="5109961" y="990058"/>
-        <a:ext cx="1782954" cy="969730"/>
+        <a:off x="8871126" y="84035"/>
+        <a:ext cx="3102978" cy="1687677"/>
       </dsp:txXfrm>
     </dsp:sp>
     <dsp:sp modelId="{400D1F1E-96C9-D544-AA49-103BF01D25EC}">
@@ -2545,9 +2028,9 @@
         <dsp:cNvSpPr/>
       </dsp:nvSpPr>
       <dsp:spPr>
-        <a:xfrm rot="3646884">
-          <a:off x="4100043" y="2621587"/>
-          <a:ext cx="1316739" cy="24190"/>
+        <a:xfrm rot="3720849">
+          <a:off x="7067387" y="2170692"/>
+          <a:ext cx="2383841" cy="42099"/>
         </a:xfrm>
         <a:custGeom>
           <a:avLst/>
@@ -2558,10 +2041,10 @@
           <a:pathLst>
             <a:path>
               <a:moveTo>
-                <a:pt x="0" y="12095"/>
+                <a:pt x="0" y="21049"/>
               </a:moveTo>
               <a:lnTo>
-                <a:pt x="1316739" y="12095"/>
+                <a:pt x="2383841" y="21049"/>
               </a:lnTo>
             </a:path>
           </a:pathLst>
@@ -2614,8 +2097,8 @@
         </a:p>
       </dsp:txBody>
       <dsp:txXfrm>
-        <a:off x="4725494" y="2600764"/>
-        <a:ext cx="65836" cy="65836"/>
+        <a:off x="8199711" y="2132146"/>
+        <a:ext cx="119192" cy="119192"/>
       </dsp:txXfrm>
     </dsp:sp>
     <dsp:sp modelId="{4488604B-CBE9-504B-815D-EE4821A7F201}">
@@ -2625,8 +2108,8 @@
       </dsp:nvSpPr>
       <dsp:spPr>
         <a:xfrm>
-          <a:off x="5079791" y="2693248"/>
-          <a:ext cx="1843294" cy="1030070"/>
+          <a:off x="8818620" y="2347939"/>
+          <a:ext cx="3207990" cy="1792689"/>
         </a:xfrm>
         <a:prstGeom prst="roundRect">
           <a:avLst>
@@ -2691,31 +2174,7 @@
                 <a:schemeClr val="tx1"/>
               </a:solidFill>
             </a:rPr>
-            <a:t>(</a:t>
-          </a:r>
-          <a:r>
-            <a:rPr lang="en-US" sz="2000" kern="1200" dirty="0" err="1">
-              <a:solidFill>
-                <a:schemeClr val="tx1"/>
-              </a:solidFill>
-            </a:rPr>
-            <a:t>iMV</a:t>
-          </a:r>
-          <a:r>
-            <a:rPr lang="en-US" sz="2000" kern="1200">
-              <a:solidFill>
-                <a:schemeClr val="tx1"/>
-              </a:solidFill>
-            </a:rPr>
-            <a:t>* </a:t>
-          </a:r>
-          <a:r>
-            <a:rPr lang="en-US" sz="2000" kern="1200" dirty="0">
-              <a:solidFill>
-                <a:schemeClr val="tx1"/>
-              </a:solidFill>
-            </a:rPr>
-            <a:t>= 0)</a:t>
+            <a:t>Not on Mechanical Ventilator</a:t>
           </a:r>
         </a:p>
         <a:p>
@@ -2742,19 +2201,19 @@
         </a:p>
       </dsp:txBody>
       <dsp:txXfrm>
-        <a:off x="5109961" y="2723418"/>
-        <a:ext cx="1782954" cy="969730"/>
+        <a:off x="8871126" y="2400445"/>
+        <a:ext cx="3102978" cy="1687677"/>
       </dsp:txXfrm>
     </dsp:sp>
-    <dsp:sp modelId="{1EAA115E-1473-6C43-AE20-D08EF151C4E1}">
+    <dsp:sp modelId="{6140B3FE-7907-2E49-A718-E790BE84940C}">
       <dsp:nvSpPr>
         <dsp:cNvPr id="0" name=""/>
         <dsp:cNvSpPr/>
       </dsp:nvSpPr>
       <dsp:spPr>
-        <a:xfrm rot="18018353">
-          <a:off x="6602430" y="2637357"/>
-          <a:ext cx="1294575" cy="24190"/>
+        <a:xfrm rot="12134">
+          <a:off x="3405871" y="3483426"/>
+          <a:ext cx="1086136" cy="42099"/>
         </a:xfrm>
         <a:custGeom>
           <a:avLst/>
@@ -2765,10 +2224,10 @@
           <a:pathLst>
             <a:path>
               <a:moveTo>
-                <a:pt x="0" y="12095"/>
+                <a:pt x="0" y="21049"/>
               </a:moveTo>
               <a:lnTo>
-                <a:pt x="1294575" y="12095"/>
+                <a:pt x="1086136" y="21049"/>
               </a:lnTo>
             </a:path>
           </a:pathLst>
@@ -2821,799 +2280,19 @@
         </a:p>
       </dsp:txBody>
       <dsp:txXfrm>
-        <a:off x="7217353" y="2617087"/>
-        <a:ext cx="64728" cy="64728"/>
+        <a:off x="3921786" y="3477322"/>
+        <a:ext cx="54306" cy="54306"/>
       </dsp:txXfrm>
     </dsp:sp>
-    <dsp:sp modelId="{103CF40D-5902-7F4B-8DEA-27007712B6CB}">
+    <dsp:sp modelId="{ED44F827-0FE2-1244-A50B-EE2BC79AC5AD}">
       <dsp:nvSpPr>
         <dsp:cNvPr id="0" name=""/>
         <dsp:cNvSpPr/>
       </dsp:nvSpPr>
       <dsp:spPr>
         <a:xfrm>
-          <a:off x="7576349" y="1575585"/>
-          <a:ext cx="1843294" cy="1030070"/>
-        </a:xfrm>
-        <a:prstGeom prst="roundRect">
-          <a:avLst>
-            <a:gd name="adj" fmla="val 10000"/>
-          </a:avLst>
-        </a:prstGeom>
-        <a:solidFill>
-          <a:schemeClr val="accent2">
-            <a:lumMod val="60000"/>
-            <a:lumOff val="40000"/>
-          </a:schemeClr>
-        </a:solidFill>
-        <a:ln w="12700" cap="flat" cmpd="sng" algn="ctr">
-          <a:solidFill>
-            <a:schemeClr val="lt1">
-              <a:hueOff val="0"/>
-              <a:satOff val="0"/>
-              <a:lumOff val="0"/>
-              <a:alphaOff val="0"/>
-            </a:schemeClr>
-          </a:solidFill>
-          <a:prstDash val="solid"/>
-          <a:miter lim="800000"/>
-        </a:ln>
-        <a:effectLst/>
-      </dsp:spPr>
-      <dsp:style>
-        <a:lnRef idx="2">
-          <a:scrgbClr r="0" g="0" b="0"/>
-        </a:lnRef>
-        <a:fillRef idx="1">
-          <a:scrgbClr r="0" g="0" b="0"/>
-        </a:fillRef>
-        <a:effectRef idx="0">
-          <a:scrgbClr r="0" g="0" b="0"/>
-        </a:effectRef>
-        <a:fontRef idx="minor">
-          <a:schemeClr val="lt1"/>
-        </a:fontRef>
-      </dsp:style>
-      <dsp:txBody>
-        <a:bodyPr spcFirstLastPara="0" vert="horz" wrap="square" lIns="12700" tIns="12700" rIns="12700" bIns="12700" numCol="1" spcCol="1270" anchor="ctr" anchorCtr="0">
-          <a:noAutofit/>
-        </a:bodyPr>
-        <a:lstStyle/>
-        <a:p>
-          <a:pPr marL="0" lvl="0" indent="0" algn="ctr" defTabSz="889000">
-            <a:lnSpc>
-              <a:spcPct val="90000"/>
-            </a:lnSpc>
-            <a:spcBef>
-              <a:spcPct val="0"/>
-            </a:spcBef>
-            <a:spcAft>
-              <a:spcPct val="35000"/>
-            </a:spcAft>
-            <a:buNone/>
-          </a:pPr>
-          <a:r>
-            <a:rPr lang="en-US" sz="2000" kern="1200" dirty="0">
-              <a:solidFill>
-                <a:schemeClr val="tx1"/>
-              </a:solidFill>
-            </a:rPr>
-            <a:t>(Age &lt; 45) </a:t>
-          </a:r>
-        </a:p>
-        <a:p>
-          <a:pPr marL="0" lvl="0" indent="0" algn="ctr" defTabSz="889000">
-            <a:lnSpc>
-              <a:spcPct val="90000"/>
-            </a:lnSpc>
-            <a:spcBef>
-              <a:spcPct val="0"/>
-            </a:spcBef>
-            <a:spcAft>
-              <a:spcPct val="35000"/>
-            </a:spcAft>
-            <a:buNone/>
-          </a:pPr>
-          <a:r>
-            <a:rPr lang="en-US" sz="2000" kern="1200" dirty="0">
-              <a:solidFill>
-                <a:schemeClr val="tx1"/>
-              </a:solidFill>
-            </a:rPr>
-            <a:t>Avg. Causal Effect = 0.281</a:t>
-          </a:r>
-        </a:p>
-      </dsp:txBody>
-      <dsp:txXfrm>
-        <a:off x="7606519" y="1605755"/>
-        <a:ext cx="1782954" cy="969730"/>
-      </dsp:txXfrm>
-    </dsp:sp>
-    <dsp:sp modelId="{B0914C68-411D-794D-8747-AE3B89DE012B}">
-      <dsp:nvSpPr>
-        <dsp:cNvPr id="0" name=""/>
-        <dsp:cNvSpPr/>
-      </dsp:nvSpPr>
-      <dsp:spPr>
-        <a:xfrm rot="3300971">
-          <a:off x="6680022" y="3662947"/>
-          <a:ext cx="1139390" cy="24190"/>
-        </a:xfrm>
-        <a:custGeom>
-          <a:avLst/>
-          <a:gdLst/>
-          <a:ahLst/>
-          <a:cxnLst/>
-          <a:rect l="0" t="0" r="0" b="0"/>
-          <a:pathLst>
-            <a:path>
-              <a:moveTo>
-                <a:pt x="0" y="12095"/>
-              </a:moveTo>
-              <a:lnTo>
-                <a:pt x="1139390" y="12095"/>
-              </a:lnTo>
-            </a:path>
-          </a:pathLst>
-        </a:custGeom>
-        <a:noFill/>
-        <a:ln w="12700" cap="flat" cmpd="sng" algn="ctr">
-          <a:solidFill>
-            <a:schemeClr val="tx1"/>
-          </a:solidFill>
-          <a:prstDash val="solid"/>
-          <a:miter lim="800000"/>
-        </a:ln>
-        <a:effectLst/>
-      </dsp:spPr>
-      <dsp:style>
-        <a:lnRef idx="2">
-          <a:scrgbClr r="0" g="0" b="0"/>
-        </a:lnRef>
-        <a:fillRef idx="0">
-          <a:scrgbClr r="0" g="0" b="0"/>
-        </a:fillRef>
-        <a:effectRef idx="0">
-          <a:scrgbClr r="0" g="0" b="0"/>
-        </a:effectRef>
-        <a:fontRef idx="minor"/>
-      </dsp:style>
-      <dsp:txBody>
-        <a:bodyPr spcFirstLastPara="0" vert="horz" wrap="square" lIns="12700" tIns="0" rIns="12700" bIns="0" numCol="1" spcCol="1270" anchor="ctr" anchorCtr="0">
-          <a:noAutofit/>
-        </a:bodyPr>
-        <a:lstStyle/>
-        <a:p>
-          <a:pPr marL="0" lvl="0" indent="0" algn="ctr" defTabSz="311150">
-            <a:lnSpc>
-              <a:spcPct val="90000"/>
-            </a:lnSpc>
-            <a:spcBef>
-              <a:spcPct val="0"/>
-            </a:spcBef>
-            <a:spcAft>
-              <a:spcPct val="35000"/>
-            </a:spcAft>
-            <a:buNone/>
-          </a:pPr>
-          <a:endParaRPr lang="en-US" sz="700" kern="1200">
-            <a:solidFill>
-              <a:schemeClr val="tx1"/>
-            </a:solidFill>
-          </a:endParaRPr>
-        </a:p>
-      </dsp:txBody>
-      <dsp:txXfrm>
-        <a:off x="7221232" y="3646558"/>
-        <a:ext cx="56969" cy="56969"/>
-      </dsp:txXfrm>
-    </dsp:sp>
-    <dsp:sp modelId="{1D4AE904-8C3C-A64E-9495-D2D462A05CBA}">
-      <dsp:nvSpPr>
-        <dsp:cNvPr id="0" name=""/>
-        <dsp:cNvSpPr/>
-      </dsp:nvSpPr>
-      <dsp:spPr>
-        <a:xfrm>
-          <a:off x="7576349" y="3626767"/>
-          <a:ext cx="1843294" cy="1030070"/>
-        </a:xfrm>
-        <a:prstGeom prst="roundRect">
-          <a:avLst>
-            <a:gd name="adj" fmla="val 10000"/>
-          </a:avLst>
-        </a:prstGeom>
-        <a:solidFill>
-          <a:schemeClr val="accent2">
-            <a:lumMod val="20000"/>
-            <a:lumOff val="80000"/>
-          </a:schemeClr>
-        </a:solidFill>
-        <a:ln w="12700" cap="flat" cmpd="sng" algn="ctr">
-          <a:solidFill>
-            <a:schemeClr val="lt1">
-              <a:hueOff val="0"/>
-              <a:satOff val="0"/>
-              <a:lumOff val="0"/>
-              <a:alphaOff val="0"/>
-            </a:schemeClr>
-          </a:solidFill>
-          <a:prstDash val="solid"/>
-          <a:miter lim="800000"/>
-        </a:ln>
-        <a:effectLst/>
-      </dsp:spPr>
-      <dsp:style>
-        <a:lnRef idx="2">
-          <a:scrgbClr r="0" g="0" b="0"/>
-        </a:lnRef>
-        <a:fillRef idx="1">
-          <a:scrgbClr r="0" g="0" b="0"/>
-        </a:fillRef>
-        <a:effectRef idx="0">
-          <a:scrgbClr r="0" g="0" b="0"/>
-        </a:effectRef>
-        <a:fontRef idx="minor">
-          <a:schemeClr val="lt1"/>
-        </a:fontRef>
-      </dsp:style>
-      <dsp:txBody>
-        <a:bodyPr spcFirstLastPara="0" vert="horz" wrap="square" lIns="12700" tIns="12700" rIns="12700" bIns="12700" numCol="1" spcCol="1270" anchor="ctr" anchorCtr="0">
-          <a:noAutofit/>
-        </a:bodyPr>
-        <a:lstStyle/>
-        <a:p>
-          <a:pPr marL="0" lvl="0" indent="0" algn="ctr" defTabSz="889000">
-            <a:lnSpc>
-              <a:spcPct val="90000"/>
-            </a:lnSpc>
-            <a:spcBef>
-              <a:spcPct val="0"/>
-            </a:spcBef>
-            <a:spcAft>
-              <a:spcPct val="35000"/>
-            </a:spcAft>
-            <a:buNone/>
-          </a:pPr>
-          <a:r>
-            <a:rPr lang="en-US" sz="2000" kern="1200" dirty="0">
-              <a:solidFill>
-                <a:schemeClr val="tx1"/>
-              </a:solidFill>
-            </a:rPr>
-            <a:t>(Age </a:t>
-          </a:r>
-          <a:r>
-            <a:rPr lang="en-US" sz="2000" b="0" i="0" u="none" kern="1200" dirty="0">
-              <a:solidFill>
-                <a:schemeClr val="tx1"/>
-              </a:solidFill>
-            </a:rPr>
-            <a:t>≥</a:t>
-          </a:r>
-          <a:r>
-            <a:rPr lang="en-US" sz="2000" kern="1200" dirty="0">
-              <a:solidFill>
-                <a:schemeClr val="tx1"/>
-              </a:solidFill>
-            </a:rPr>
-            <a:t> 45) </a:t>
-          </a:r>
-        </a:p>
-        <a:p>
-          <a:pPr marL="0" lvl="0" indent="0" algn="ctr" defTabSz="889000">
-            <a:lnSpc>
-              <a:spcPct val="90000"/>
-            </a:lnSpc>
-            <a:spcBef>
-              <a:spcPct val="0"/>
-            </a:spcBef>
-            <a:spcAft>
-              <a:spcPct val="35000"/>
-            </a:spcAft>
-            <a:buNone/>
-          </a:pPr>
-          <a:r>
-            <a:rPr lang="en-US" sz="2000" kern="1200" dirty="0">
-              <a:solidFill>
-                <a:schemeClr val="tx1"/>
-              </a:solidFill>
-            </a:rPr>
-            <a:t>Avg. Causal Effect = 0.215</a:t>
-          </a:r>
-        </a:p>
-      </dsp:txBody>
-      <dsp:txXfrm>
-        <a:off x="7606519" y="3656937"/>
-        <a:ext cx="1782954" cy="969730"/>
-      </dsp:txXfrm>
-    </dsp:sp>
-    <dsp:sp modelId="{9FFC51CF-7C31-2A4F-A77A-8169AD20D5C0}">
-      <dsp:nvSpPr>
-        <dsp:cNvPr id="0" name=""/>
-        <dsp:cNvSpPr/>
-      </dsp:nvSpPr>
-      <dsp:spPr>
-        <a:xfrm rot="17504387">
-          <a:off x="8784051" y="3192002"/>
-          <a:ext cx="2019010" cy="24190"/>
-        </a:xfrm>
-        <a:custGeom>
-          <a:avLst/>
-          <a:gdLst/>
-          <a:ahLst/>
-          <a:cxnLst/>
-          <a:rect l="0" t="0" r="0" b="0"/>
-          <a:pathLst>
-            <a:path>
-              <a:moveTo>
-                <a:pt x="0" y="12095"/>
-              </a:moveTo>
-              <a:lnTo>
-                <a:pt x="2019010" y="12095"/>
-              </a:lnTo>
-            </a:path>
-          </a:pathLst>
-        </a:custGeom>
-        <a:noFill/>
-        <a:ln w="12700" cap="flat" cmpd="sng" algn="ctr">
-          <a:solidFill>
-            <a:schemeClr val="tx1"/>
-          </a:solidFill>
-          <a:prstDash val="solid"/>
-          <a:miter lim="800000"/>
-        </a:ln>
-        <a:effectLst/>
-      </dsp:spPr>
-      <dsp:style>
-        <a:lnRef idx="2">
-          <a:scrgbClr r="0" g="0" b="0"/>
-        </a:lnRef>
-        <a:fillRef idx="0">
-          <a:scrgbClr r="0" g="0" b="0"/>
-        </a:fillRef>
-        <a:effectRef idx="0">
-          <a:scrgbClr r="0" g="0" b="0"/>
-        </a:effectRef>
-        <a:fontRef idx="minor"/>
-      </dsp:style>
-      <dsp:txBody>
-        <a:bodyPr spcFirstLastPara="0" vert="horz" wrap="square" lIns="12700" tIns="0" rIns="12700" bIns="0" numCol="1" spcCol="1270" anchor="ctr" anchorCtr="0">
-          <a:noAutofit/>
-        </a:bodyPr>
-        <a:lstStyle/>
-        <a:p>
-          <a:pPr marL="0" lvl="0" indent="0" algn="ctr" defTabSz="311150">
-            <a:lnSpc>
-              <a:spcPct val="90000"/>
-            </a:lnSpc>
-            <a:spcBef>
-              <a:spcPct val="0"/>
-            </a:spcBef>
-            <a:spcAft>
-              <a:spcPct val="35000"/>
-            </a:spcAft>
-            <a:buNone/>
-          </a:pPr>
-          <a:endParaRPr lang="en-US" sz="700" kern="1200">
-            <a:solidFill>
-              <a:schemeClr val="tx1"/>
-            </a:solidFill>
-          </a:endParaRPr>
-        </a:p>
-      </dsp:txBody>
-      <dsp:txXfrm>
-        <a:off x="9743081" y="3153622"/>
-        <a:ext cx="100950" cy="100950"/>
-      </dsp:txXfrm>
-    </dsp:sp>
-    <dsp:sp modelId="{2840A26D-3B24-5948-A6DA-604F7AD03B22}">
-      <dsp:nvSpPr>
-        <dsp:cNvPr id="0" name=""/>
-        <dsp:cNvSpPr/>
-      </dsp:nvSpPr>
-      <dsp:spPr>
-        <a:xfrm>
-          <a:off x="10167469" y="1584617"/>
-          <a:ext cx="1843294" cy="1363549"/>
-        </a:xfrm>
-        <a:prstGeom prst="roundRect">
-          <a:avLst>
-            <a:gd name="adj" fmla="val 10000"/>
-          </a:avLst>
-        </a:prstGeom>
-        <a:solidFill>
-          <a:schemeClr val="accent2">
-            <a:lumMod val="40000"/>
-            <a:lumOff val="60000"/>
-          </a:schemeClr>
-        </a:solidFill>
-        <a:ln w="12700" cap="flat" cmpd="sng" algn="ctr">
-          <a:solidFill>
-            <a:schemeClr val="lt1">
-              <a:hueOff val="0"/>
-              <a:satOff val="0"/>
-              <a:lumOff val="0"/>
-              <a:alphaOff val="0"/>
-            </a:schemeClr>
-          </a:solidFill>
-          <a:prstDash val="solid"/>
-          <a:miter lim="800000"/>
-        </a:ln>
-        <a:effectLst/>
-      </dsp:spPr>
-      <dsp:style>
-        <a:lnRef idx="2">
-          <a:scrgbClr r="0" g="0" b="0"/>
-        </a:lnRef>
-        <a:fillRef idx="1">
-          <a:scrgbClr r="0" g="0" b="0"/>
-        </a:fillRef>
-        <a:effectRef idx="0">
-          <a:scrgbClr r="0" g="0" b="0"/>
-        </a:effectRef>
-        <a:fontRef idx="minor">
-          <a:schemeClr val="lt1"/>
-        </a:fontRef>
-      </dsp:style>
-      <dsp:txBody>
-        <a:bodyPr spcFirstLastPara="0" vert="horz" wrap="square" lIns="12700" tIns="12700" rIns="12700" bIns="12700" numCol="1" spcCol="1270" anchor="ctr" anchorCtr="0">
-          <a:noAutofit/>
-        </a:bodyPr>
-        <a:lstStyle/>
-        <a:p>
-          <a:pPr marL="0" lvl="0" indent="0" algn="ctr" defTabSz="889000">
-            <a:lnSpc>
-              <a:spcPct val="90000"/>
-            </a:lnSpc>
-            <a:spcBef>
-              <a:spcPct val="0"/>
-            </a:spcBef>
-            <a:spcAft>
-              <a:spcPct val="35000"/>
-            </a:spcAft>
-            <a:buNone/>
-          </a:pPr>
-          <a:r>
-            <a:rPr lang="en-US" sz="2000" kern="1200" dirty="0">
-              <a:solidFill>
-                <a:schemeClr val="tx1"/>
-              </a:solidFill>
-            </a:rPr>
-            <a:t>(Worst GCS in 1</a:t>
-          </a:r>
-          <a:r>
-            <a:rPr lang="en-US" sz="2000" kern="1200" baseline="30000" dirty="0">
-              <a:solidFill>
-                <a:schemeClr val="tx1"/>
-              </a:solidFill>
-            </a:rPr>
-            <a:t>st</a:t>
-          </a:r>
-          <a:r>
-            <a:rPr lang="en-US" sz="2000" kern="1200" dirty="0">
-              <a:solidFill>
-                <a:schemeClr val="tx1"/>
-              </a:solidFill>
-            </a:rPr>
-            <a:t> 24hrs &lt; 14)</a:t>
-          </a:r>
-        </a:p>
-        <a:p>
-          <a:pPr marL="0" lvl="0" indent="0" algn="ctr" defTabSz="889000">
-            <a:lnSpc>
-              <a:spcPct val="90000"/>
-            </a:lnSpc>
-            <a:spcBef>
-              <a:spcPct val="0"/>
-            </a:spcBef>
-            <a:spcAft>
-              <a:spcPct val="35000"/>
-            </a:spcAft>
-            <a:buNone/>
-          </a:pPr>
-          <a:r>
-            <a:rPr lang="en-US" sz="2000" kern="1200" dirty="0">
-              <a:solidFill>
-                <a:schemeClr val="tx1"/>
-              </a:solidFill>
-            </a:rPr>
-            <a:t>Avg. Causal Effect = 0.239</a:t>
-          </a:r>
-        </a:p>
-      </dsp:txBody>
-      <dsp:txXfrm>
-        <a:off x="10207406" y="1624554"/>
-        <a:ext cx="1763420" cy="1283675"/>
-      </dsp:txXfrm>
-    </dsp:sp>
-    <dsp:sp modelId="{91B1C449-5E1A-C74A-B114-299CD740AA7A}">
-      <dsp:nvSpPr>
-        <dsp:cNvPr id="0" name=""/>
-        <dsp:cNvSpPr/>
-      </dsp:nvSpPr>
-      <dsp:spPr>
-        <a:xfrm rot="2704958">
-          <a:off x="9261268" y="4511280"/>
-          <a:ext cx="1077699" cy="24190"/>
-        </a:xfrm>
-        <a:custGeom>
-          <a:avLst/>
-          <a:gdLst/>
-          <a:ahLst/>
-          <a:cxnLst/>
-          <a:rect l="0" t="0" r="0" b="0"/>
-          <a:pathLst>
-            <a:path>
-              <a:moveTo>
-                <a:pt x="0" y="12095"/>
-              </a:moveTo>
-              <a:lnTo>
-                <a:pt x="1077699" y="12095"/>
-              </a:lnTo>
-            </a:path>
-          </a:pathLst>
-        </a:custGeom>
-        <a:noFill/>
-        <a:ln w="12700" cap="flat" cmpd="sng" algn="ctr">
-          <a:solidFill>
-            <a:schemeClr val="tx1"/>
-          </a:solidFill>
-          <a:prstDash val="solid"/>
-          <a:miter lim="800000"/>
-        </a:ln>
-        <a:effectLst/>
-      </dsp:spPr>
-      <dsp:style>
-        <a:lnRef idx="2">
-          <a:scrgbClr r="0" g="0" b="0"/>
-        </a:lnRef>
-        <a:fillRef idx="0">
-          <a:scrgbClr r="0" g="0" b="0"/>
-        </a:fillRef>
-        <a:effectRef idx="0">
-          <a:scrgbClr r="0" g="0" b="0"/>
-        </a:effectRef>
-        <a:fontRef idx="minor"/>
-      </dsp:style>
-      <dsp:txBody>
-        <a:bodyPr spcFirstLastPara="0" vert="horz" wrap="square" lIns="12700" tIns="0" rIns="12700" bIns="0" numCol="1" spcCol="1270" anchor="ctr" anchorCtr="0">
-          <a:noAutofit/>
-        </a:bodyPr>
-        <a:lstStyle/>
-        <a:p>
-          <a:pPr marL="0" lvl="0" indent="0" algn="ctr" defTabSz="311150">
-            <a:lnSpc>
-              <a:spcPct val="90000"/>
-            </a:lnSpc>
-            <a:spcBef>
-              <a:spcPct val="0"/>
-            </a:spcBef>
-            <a:spcAft>
-              <a:spcPct val="35000"/>
-            </a:spcAft>
-            <a:buNone/>
-          </a:pPr>
-          <a:endParaRPr lang="en-US" sz="700" kern="1200">
-            <a:solidFill>
-              <a:schemeClr val="tx1"/>
-            </a:solidFill>
-          </a:endParaRPr>
-        </a:p>
-      </dsp:txBody>
-      <dsp:txXfrm>
-        <a:off x="9773176" y="4496433"/>
-        <a:ext cx="53884" cy="53884"/>
-      </dsp:txXfrm>
-    </dsp:sp>
-    <dsp:sp modelId="{9763DA12-D407-A446-A8AC-F7C15F7C8936}">
-      <dsp:nvSpPr>
-        <dsp:cNvPr id="0" name=""/>
-        <dsp:cNvSpPr/>
-      </dsp:nvSpPr>
-      <dsp:spPr>
-        <a:xfrm>
-          <a:off x="10180593" y="4223174"/>
-          <a:ext cx="1843294" cy="1363549"/>
-        </a:xfrm>
-        <a:prstGeom prst="roundRect">
-          <a:avLst>
-            <a:gd name="adj" fmla="val 10000"/>
-          </a:avLst>
-        </a:prstGeom>
-        <a:solidFill>
-          <a:schemeClr val="accent2">
-            <a:lumMod val="20000"/>
-            <a:lumOff val="80000"/>
-          </a:schemeClr>
-        </a:solidFill>
-        <a:ln w="12700" cap="flat" cmpd="sng" algn="ctr">
-          <a:solidFill>
-            <a:schemeClr val="lt1">
-              <a:hueOff val="0"/>
-              <a:satOff val="0"/>
-              <a:lumOff val="0"/>
-              <a:alphaOff val="0"/>
-            </a:schemeClr>
-          </a:solidFill>
-          <a:prstDash val="solid"/>
-          <a:miter lim="800000"/>
-        </a:ln>
-        <a:effectLst/>
-      </dsp:spPr>
-      <dsp:style>
-        <a:lnRef idx="2">
-          <a:scrgbClr r="0" g="0" b="0"/>
-        </a:lnRef>
-        <a:fillRef idx="1">
-          <a:scrgbClr r="0" g="0" b="0"/>
-        </a:fillRef>
-        <a:effectRef idx="0">
-          <a:scrgbClr r="0" g="0" b="0"/>
-        </a:effectRef>
-        <a:fontRef idx="minor">
-          <a:schemeClr val="lt1"/>
-        </a:fontRef>
-      </dsp:style>
-      <dsp:txBody>
-        <a:bodyPr spcFirstLastPara="0" vert="horz" wrap="square" lIns="12700" tIns="12700" rIns="12700" bIns="12700" numCol="1" spcCol="1270" anchor="ctr" anchorCtr="0">
-          <a:noAutofit/>
-        </a:bodyPr>
-        <a:lstStyle/>
-        <a:p>
-          <a:pPr marL="0" lvl="0" indent="0" algn="ctr" defTabSz="889000">
-            <a:lnSpc>
-              <a:spcPct val="90000"/>
-            </a:lnSpc>
-            <a:spcBef>
-              <a:spcPct val="0"/>
-            </a:spcBef>
-            <a:spcAft>
-              <a:spcPct val="35000"/>
-            </a:spcAft>
-            <a:buNone/>
-          </a:pPr>
-          <a:r>
-            <a:rPr lang="en-US" sz="2000" kern="1200" dirty="0">
-              <a:solidFill>
-                <a:schemeClr val="tx1"/>
-              </a:solidFill>
-            </a:rPr>
-            <a:t>(Worst GCS in 1st 24hrs </a:t>
-          </a:r>
-          <a:r>
-            <a:rPr lang="en-US" sz="2000" b="0" i="0" u="none" kern="1200" dirty="0">
-              <a:solidFill>
-                <a:schemeClr val="tx1"/>
-              </a:solidFill>
-            </a:rPr>
-            <a:t>≥</a:t>
-          </a:r>
-          <a:r>
-            <a:rPr lang="en-US" sz="2000" kern="1200" dirty="0">
-              <a:solidFill>
-                <a:schemeClr val="tx1"/>
-              </a:solidFill>
-            </a:rPr>
-            <a:t> 14)</a:t>
-          </a:r>
-        </a:p>
-        <a:p>
-          <a:pPr marL="0" lvl="0" indent="0" algn="ctr" defTabSz="889000">
-            <a:lnSpc>
-              <a:spcPct val="90000"/>
-            </a:lnSpc>
-            <a:spcBef>
-              <a:spcPct val="0"/>
-            </a:spcBef>
-            <a:spcAft>
-              <a:spcPct val="35000"/>
-            </a:spcAft>
-            <a:buNone/>
-          </a:pPr>
-          <a:r>
-            <a:rPr lang="en-US" sz="2000" kern="1200" dirty="0">
-              <a:solidFill>
-                <a:schemeClr val="tx1"/>
-              </a:solidFill>
-            </a:rPr>
-            <a:t>Avg. Causal Effect = 0.194</a:t>
-          </a:r>
-        </a:p>
-      </dsp:txBody>
-      <dsp:txXfrm>
-        <a:off x="10220530" y="4263111"/>
-        <a:ext cx="1763420" cy="1283675"/>
-      </dsp:txXfrm>
-    </dsp:sp>
-    <dsp:sp modelId="{AA134406-4B55-A64F-813A-572D3D5481C4}">
-      <dsp:nvSpPr>
-        <dsp:cNvPr id="0" name=""/>
-        <dsp:cNvSpPr/>
-      </dsp:nvSpPr>
-      <dsp:spPr>
-        <a:xfrm rot="21558154">
-          <a:off x="1927363" y="3715371"/>
-          <a:ext cx="676908" cy="24190"/>
-        </a:xfrm>
-        <a:custGeom>
-          <a:avLst/>
-          <a:gdLst/>
-          <a:ahLst/>
-          <a:cxnLst/>
-          <a:rect l="0" t="0" r="0" b="0"/>
-          <a:pathLst>
-            <a:path>
-              <a:moveTo>
-                <a:pt x="0" y="12095"/>
-              </a:moveTo>
-              <a:lnTo>
-                <a:pt x="676908" y="12095"/>
-              </a:lnTo>
-            </a:path>
-          </a:pathLst>
-        </a:custGeom>
-        <a:noFill/>
-        <a:ln w="12700" cap="flat" cmpd="sng" algn="ctr">
-          <a:solidFill>
-            <a:schemeClr val="tx1"/>
-          </a:solidFill>
-          <a:prstDash val="solid"/>
-          <a:miter lim="800000"/>
-        </a:ln>
-        <a:effectLst/>
-      </dsp:spPr>
-      <dsp:style>
-        <a:lnRef idx="2">
-          <a:scrgbClr r="0" g="0" b="0"/>
-        </a:lnRef>
-        <a:fillRef idx="0">
-          <a:scrgbClr r="0" g="0" b="0"/>
-        </a:fillRef>
-        <a:effectRef idx="0">
-          <a:scrgbClr r="0" g="0" b="0"/>
-        </a:effectRef>
-        <a:fontRef idx="minor"/>
-      </dsp:style>
-      <dsp:txBody>
-        <a:bodyPr spcFirstLastPara="0" vert="horz" wrap="square" lIns="12700" tIns="0" rIns="12700" bIns="0" numCol="1" spcCol="1270" anchor="ctr" anchorCtr="0">
-          <a:noAutofit/>
-        </a:bodyPr>
-        <a:lstStyle/>
-        <a:p>
-          <a:pPr marL="0" lvl="0" indent="0" algn="ctr" defTabSz="311150">
-            <a:lnSpc>
-              <a:spcPct val="90000"/>
-            </a:lnSpc>
-            <a:spcBef>
-              <a:spcPct val="0"/>
-            </a:spcBef>
-            <a:spcAft>
-              <a:spcPct val="35000"/>
-            </a:spcAft>
-            <a:buNone/>
-          </a:pPr>
-          <a:endParaRPr lang="en-US" sz="700" kern="1200">
-            <a:solidFill>
-              <a:schemeClr val="tx1"/>
-            </a:solidFill>
-          </a:endParaRPr>
-        </a:p>
-      </dsp:txBody>
-      <dsp:txXfrm>
-        <a:off x="2248894" y="3710543"/>
-        <a:ext cx="33845" cy="33845"/>
-      </dsp:txXfrm>
-    </dsp:sp>
-    <dsp:sp modelId="{70C580C6-2DEE-0046-B89B-ADCEB3376592}">
-      <dsp:nvSpPr>
-        <dsp:cNvPr id="0" name=""/>
-        <dsp:cNvSpPr/>
-      </dsp:nvSpPr>
-      <dsp:spPr>
-        <a:xfrm>
-          <a:off x="2604246" y="3208311"/>
-          <a:ext cx="1843294" cy="1030070"/>
+          <a:off x="4492004" y="2704395"/>
+          <a:ext cx="3207990" cy="1603995"/>
         </a:xfrm>
         <a:prstGeom prst="roundRect">
           <a:avLst>
@@ -3721,8 +2400,8 @@
         </a:p>
       </dsp:txBody>
       <dsp:txXfrm>
-        <a:off x="2634416" y="3238481"/>
-        <a:ext cx="1782954" cy="969730"/>
+        <a:off x="4538983" y="2751374"/>
+        <a:ext cx="3114032" cy="1510037"/>
       </dsp:txXfrm>
     </dsp:sp>
     <dsp:sp modelId="{F5D00BC5-A40A-6D40-B13F-86CBC287BA74}">
@@ -3731,9 +2410,9 @@
         <dsp:cNvSpPr/>
       </dsp:nvSpPr>
       <dsp:spPr>
-        <a:xfrm rot="4214075">
-          <a:off x="1275332" y="4646677"/>
-          <a:ext cx="1970462" cy="24190"/>
+        <a:xfrm rot="3970200">
+          <a:off x="2604801" y="4711057"/>
+          <a:ext cx="2688276" cy="42099"/>
         </a:xfrm>
         <a:custGeom>
           <a:avLst/>
@@ -3744,10 +2423,10 @@
           <a:pathLst>
             <a:path>
               <a:moveTo>
-                <a:pt x="0" y="12095"/>
+                <a:pt x="0" y="21049"/>
               </a:moveTo>
               <a:lnTo>
-                <a:pt x="1970462" y="12095"/>
+                <a:pt x="2688276" y="21049"/>
               </a:lnTo>
             </a:path>
           </a:pathLst>
@@ -3800,8 +2479,8 @@
         </a:p>
       </dsp:txBody>
       <dsp:txXfrm>
-        <a:off x="2211302" y="4609511"/>
-        <a:ext cx="98523" cy="98523"/>
+        <a:off x="3881732" y="4664900"/>
+        <a:ext cx="134413" cy="134413"/>
       </dsp:txXfrm>
     </dsp:sp>
     <dsp:sp modelId="{41CED800-5C83-AF42-9308-43EBBF15AA33}">
@@ -3811,8 +2490,8 @@
       </dsp:nvSpPr>
       <dsp:spPr>
         <a:xfrm>
-          <a:off x="2593739" y="5070924"/>
-          <a:ext cx="1843294" cy="1030070"/>
+          <a:off x="4492004" y="5065310"/>
+          <a:ext cx="3207990" cy="1792689"/>
         </a:xfrm>
         <a:prstGeom prst="roundRect">
           <a:avLst>
@@ -3920,8 +2599,8 @@
         </a:p>
       </dsp:txBody>
       <dsp:txXfrm>
-        <a:off x="2623909" y="5101094"/>
-        <a:ext cx="1782954" cy="969730"/>
+        <a:off x="4544510" y="5117816"/>
+        <a:ext cx="3102978" cy="1687677"/>
       </dsp:txXfrm>
     </dsp:sp>
   </dsp:spTree>
@@ -5429,7 +4108,7 @@
           <a:p>
             <a:fld id="{F839B1BF-5321-A24B-AD08-536F9219F975}" type="datetimeFigureOut">
               <a:rPr lang="en-US" smtClean="0"/>
-              <a:t>4/14/21</a:t>
+              <a:t>5/13/21</a:t>
             </a:fld>
             <a:endParaRPr lang="en-US"/>
           </a:p>
@@ -5627,7 +4306,7 @@
           <a:p>
             <a:fld id="{F839B1BF-5321-A24B-AD08-536F9219F975}" type="datetimeFigureOut">
               <a:rPr lang="en-US" smtClean="0"/>
-              <a:t>4/14/21</a:t>
+              <a:t>5/13/21</a:t>
             </a:fld>
             <a:endParaRPr lang="en-US"/>
           </a:p>
@@ -5835,7 +4514,7 @@
           <a:p>
             <a:fld id="{F839B1BF-5321-A24B-AD08-536F9219F975}" type="datetimeFigureOut">
               <a:rPr lang="en-US" smtClean="0"/>
-              <a:t>4/14/21</a:t>
+              <a:t>5/13/21</a:t>
             </a:fld>
             <a:endParaRPr lang="en-US"/>
           </a:p>
@@ -6033,7 +4712,7 @@
           <a:p>
             <a:fld id="{F839B1BF-5321-A24B-AD08-536F9219F975}" type="datetimeFigureOut">
               <a:rPr lang="en-US" smtClean="0"/>
-              <a:t>4/14/21</a:t>
+              <a:t>5/13/21</a:t>
             </a:fld>
             <a:endParaRPr lang="en-US"/>
           </a:p>
@@ -6308,7 +4987,7 @@
           <a:p>
             <a:fld id="{F839B1BF-5321-A24B-AD08-536F9219F975}" type="datetimeFigureOut">
               <a:rPr lang="en-US" smtClean="0"/>
-              <a:t>4/14/21</a:t>
+              <a:t>5/13/21</a:t>
             </a:fld>
             <a:endParaRPr lang="en-US"/>
           </a:p>
@@ -6573,7 +5252,7 @@
           <a:p>
             <a:fld id="{F839B1BF-5321-A24B-AD08-536F9219F975}" type="datetimeFigureOut">
               <a:rPr lang="en-US" smtClean="0"/>
-              <a:t>4/14/21</a:t>
+              <a:t>5/13/21</a:t>
             </a:fld>
             <a:endParaRPr lang="en-US"/>
           </a:p>
@@ -6985,7 +5664,7 @@
           <a:p>
             <a:fld id="{F839B1BF-5321-A24B-AD08-536F9219F975}" type="datetimeFigureOut">
               <a:rPr lang="en-US" smtClean="0"/>
-              <a:t>4/14/21</a:t>
+              <a:t>5/13/21</a:t>
             </a:fld>
             <a:endParaRPr lang="en-US"/>
           </a:p>
@@ -7126,7 +5805,7 @@
           <a:p>
             <a:fld id="{F839B1BF-5321-A24B-AD08-536F9219F975}" type="datetimeFigureOut">
               <a:rPr lang="en-US" smtClean="0"/>
-              <a:t>4/14/21</a:t>
+              <a:t>5/13/21</a:t>
             </a:fld>
             <a:endParaRPr lang="en-US"/>
           </a:p>
@@ -7239,7 +5918,7 @@
           <a:p>
             <a:fld id="{F839B1BF-5321-A24B-AD08-536F9219F975}" type="datetimeFigureOut">
               <a:rPr lang="en-US" smtClean="0"/>
-              <a:t>4/14/21</a:t>
+              <a:t>5/13/21</a:t>
             </a:fld>
             <a:endParaRPr lang="en-US"/>
           </a:p>
@@ -7550,7 +6229,7 @@
           <a:p>
             <a:fld id="{F839B1BF-5321-A24B-AD08-536F9219F975}" type="datetimeFigureOut">
               <a:rPr lang="en-US" smtClean="0"/>
-              <a:t>4/14/21</a:t>
+              <a:t>5/13/21</a:t>
             </a:fld>
             <a:endParaRPr lang="en-US"/>
           </a:p>
@@ -7838,7 +6517,7 @@
           <a:p>
             <a:fld id="{F839B1BF-5321-A24B-AD08-536F9219F975}" type="datetimeFigureOut">
               <a:rPr lang="en-US" smtClean="0"/>
-              <a:t>4/14/21</a:t>
+              <a:t>5/13/21</a:t>
             </a:fld>
             <a:endParaRPr lang="en-US"/>
           </a:p>
@@ -8079,7 +6758,7 @@
           <a:p>
             <a:fld id="{F839B1BF-5321-A24B-AD08-536F9219F975}" type="datetimeFigureOut">
               <a:rPr lang="en-US" smtClean="0"/>
-              <a:t>4/14/21</a:t>
+              <a:t>5/13/21</a:t>
             </a:fld>
             <a:endParaRPr lang="en-US"/>
           </a:p>
@@ -8509,7 +7188,7 @@
           <p:nvPr>
             <p:extLst>
               <p:ext uri="{D42A27DB-BD31-4B8C-83A1-F6EECF244321}">
-                <p14:modId xmlns:p14="http://schemas.microsoft.com/office/powerpoint/2010/main" val="228872404"/>
+                <p14:modId xmlns:p14="http://schemas.microsoft.com/office/powerpoint/2010/main" val="3165311981"/>
               </p:ext>
             </p:extLst>
           </p:nvPr>
